--- a/manuals/Introduction to RaBIDS.pptx
+++ b/manuals/Introduction to RaBIDS.pptx
@@ -5,15 +5,20 @@
     <p:sldMasterId id="2147483660" r:id="rId1"/>
   </p:sldMasterIdLst>
   <p:notesMasterIdLst>
-    <p:notesMasterId r:id="rId8"/>
+    <p:notesMasterId r:id="rId13"/>
   </p:notesMasterIdLst>
   <p:sldIdLst>
     <p:sldId id="264" r:id="rId2"/>
     <p:sldId id="315" r:id="rId3"/>
     <p:sldId id="316" r:id="rId4"/>
-    <p:sldId id="317" r:id="rId5"/>
-    <p:sldId id="318" r:id="rId6"/>
-    <p:sldId id="258" r:id="rId7"/>
+    <p:sldId id="318" r:id="rId5"/>
+    <p:sldId id="319" r:id="rId6"/>
+    <p:sldId id="320" r:id="rId7"/>
+    <p:sldId id="322" r:id="rId8"/>
+    <p:sldId id="323" r:id="rId9"/>
+    <p:sldId id="324" r:id="rId10"/>
+    <p:sldId id="325" r:id="rId11"/>
+    <p:sldId id="258" r:id="rId12"/>
   </p:sldIdLst>
   <p:sldSz cx="9144000" cy="6858000" type="screen4x3"/>
   <p:notesSz cx="6858000" cy="9144000"/>
@@ -202,7 +207,7 @@
           <a:p>
             <a:fld id="{3BE1A2C5-C115-4D21-A757-1DEA8A7C019B}" type="datetimeFigureOut">
               <a:rPr lang="de-DE" smtClean="0"/>
-              <a:t>23.09.2020</a:t>
+              <a:t>29.09.2020</a:t>
             </a:fld>
             <a:endParaRPr lang="de-DE"/>
           </a:p>
@@ -2281,7 +2286,7 @@
           <a:p>
             <a:fld id="{A5EF26ED-03A1-48DB-962E-1ADA54515B96}" type="datetime1">
               <a:rPr lang="de-DE" smtClean="0"/>
-              <a:t>23.09.2020</a:t>
+              <a:t>29.09.2020</a:t>
             </a:fld>
             <a:endParaRPr lang="de-DE"/>
           </a:p>
@@ -2609,7 +2614,7 @@
           <a:p>
             <a:fld id="{508801FC-BAFD-4AE9-B7FE-E17022D1353E}" type="datetime1">
               <a:rPr lang="de-DE" smtClean="0"/>
-              <a:t>23.09.2020</a:t>
+              <a:t>29.09.2020</a:t>
             </a:fld>
             <a:endParaRPr lang="de-DE"/>
           </a:p>
@@ -2772,7 +2777,7 @@
           <a:p>
             <a:fld id="{9CBF6059-DF20-4E0D-8A26-4D0FA1D690CC}" type="datetime1">
               <a:rPr lang="de-DE" smtClean="0"/>
-              <a:t>23.09.2020</a:t>
+              <a:t>29.09.2020</a:t>
             </a:fld>
             <a:endParaRPr lang="de-DE"/>
           </a:p>
@@ -3128,7 +3133,7 @@
           <a:p>
             <a:fld id="{9CBF6059-DF20-4E0D-8A26-4D0FA1D690CC}" type="datetime1">
               <a:rPr lang="de-DE" smtClean="0"/>
-              <a:t>23.09.2020</a:t>
+              <a:t>29.09.2020</a:t>
             </a:fld>
             <a:endParaRPr lang="de-DE"/>
           </a:p>
@@ -3431,7 +3436,7 @@
           <a:p>
             <a:fld id="{9CBF6059-DF20-4E0D-8A26-4D0FA1D690CC}" type="datetime1">
               <a:rPr lang="de-DE" smtClean="0"/>
-              <a:t>23.09.2020</a:t>
+              <a:t>29.09.2020</a:t>
             </a:fld>
             <a:endParaRPr lang="de-DE"/>
           </a:p>
@@ -3659,7 +3664,7 @@
           <a:p>
             <a:fld id="{508801FC-BAFD-4AE9-B7FE-E17022D1353E}" type="datetime1">
               <a:rPr lang="de-DE" smtClean="0"/>
-              <a:t>23.09.2020</a:t>
+              <a:t>29.09.2020</a:t>
             </a:fld>
             <a:endParaRPr lang="de-DE"/>
           </a:p>
@@ -7103,7 +7108,7 @@
           <a:p>
             <a:fld id="{508801FC-BAFD-4AE9-B7FE-E17022D1353E}" type="datetime1">
               <a:rPr lang="de-DE" smtClean="0"/>
-              <a:t>23.09.2020</a:t>
+              <a:t>29.09.2020</a:t>
             </a:fld>
             <a:endParaRPr lang="de-DE"/>
           </a:p>
@@ -7765,7 +7770,7 @@
           <a:p>
             <a:fld id="{508801FC-BAFD-4AE9-B7FE-E17022D1353E}" type="datetime1">
               <a:rPr lang="de-DE" smtClean="0"/>
-              <a:t>23.09.2020</a:t>
+              <a:t>29.09.2020</a:t>
             </a:fld>
             <a:endParaRPr lang="de-DE"/>
           </a:p>
@@ -8452,7 +8457,7 @@
           <a:p>
             <a:fld id="{5BBE32B5-DD68-4146-9320-3D1A0A98D759}" type="datetime1">
               <a:rPr lang="de-DE" smtClean="0"/>
-              <a:t>23.09.2020</a:t>
+              <a:t>29.09.2020</a:t>
             </a:fld>
             <a:endParaRPr lang="de-DE" dirty="0"/>
           </a:p>
@@ -11478,7 +11483,7 @@
           <a:p>
             <a:fld id="{5BBE32B5-DD68-4146-9320-3D1A0A98D759}" type="datetime1">
               <a:rPr lang="de-DE" smtClean="0"/>
-              <a:t>23.09.2020</a:t>
+              <a:t>29.09.2020</a:t>
             </a:fld>
             <a:endParaRPr lang="de-DE" dirty="0"/>
           </a:p>
@@ -12286,7 +12291,7 @@
             <a:fld id="{DE639D7F-7C5E-4D4C-9166-C79FC7D480F2}" type="datetime1">
               <a:rPr lang="de-DE" smtClean="0"/>
               <a:pPr/>
-              <a:t>23.09.2020</a:t>
+              <a:t>29.09.2020</a:t>
             </a:fld>
             <a:endParaRPr lang="de-DE"/>
           </a:p>
@@ -12389,6 +12394,610 @@
     <p:extLst>
       <p:ext uri="{BB962C8B-B14F-4D97-AF65-F5344CB8AC3E}">
         <p14:creationId xmlns:p14="http://schemas.microsoft.com/office/powerpoint/2010/main" val="1550193064"/>
+      </p:ext>
+    </p:extLst>
+  </p:cSld>
+  <p:clrMapOvr>
+    <a:masterClrMapping/>
+  </p:clrMapOvr>
+  <p:timing>
+    <p:tnLst>
+      <p:par>
+        <p:cTn id="1" dur="indefinite" restart="never" nodeType="tmRoot"/>
+      </p:par>
+    </p:tnLst>
+  </p:timing>
+</p:sld>
+</file>
+
+<file path=ppt/slides/slide10.xml><?xml version="1.0" encoding="utf-8"?>
+<p:sld xmlns:a="http://schemas.openxmlformats.org/drawingml/2006/main" xmlns:r="http://schemas.openxmlformats.org/officeDocument/2006/relationships" xmlns:p="http://schemas.openxmlformats.org/presentationml/2006/main">
+  <p:cSld>
+    <p:spTree>
+      <p:nvGrpSpPr>
+        <p:cNvPr id="1" name=""/>
+        <p:cNvGrpSpPr/>
+        <p:nvPr/>
+      </p:nvGrpSpPr>
+      <p:grpSpPr>
+        <a:xfrm>
+          <a:off x="0" y="0"/>
+          <a:ext cx="0" cy="0"/>
+          <a:chOff x="0" y="0"/>
+          <a:chExt cx="0" cy="0"/>
+        </a:xfrm>
+      </p:grpSpPr>
+      <p:sp>
+        <p:nvSpPr>
+          <p:cNvPr id="9" name="Titel 8">
+            <a:extLst>
+              <a:ext uri="{FF2B5EF4-FFF2-40B4-BE49-F238E27FC236}">
+                <a16:creationId xmlns:a16="http://schemas.microsoft.com/office/drawing/2014/main" id="{3376FF2B-8C47-4126-96EF-85AE5244ED95}"/>
+              </a:ext>
+            </a:extLst>
+          </p:cNvPr>
+          <p:cNvSpPr>
+            <a:spLocks noGrp="1"/>
+          </p:cNvSpPr>
+          <p:nvPr>
+            <p:ph type="title"/>
+          </p:nvPr>
+        </p:nvSpPr>
+        <p:spPr/>
+        <p:txBody>
+          <a:bodyPr/>
+          <a:lstStyle/>
+          <a:p>
+            <a:r>
+              <a:rPr lang="de-DE" dirty="0" smtClean="0"/>
+              <a:t>Create SOTS</a:t>
+            </a:r>
+            <a:endParaRPr lang="de-DE" dirty="0"/>
+          </a:p>
+        </p:txBody>
+      </p:sp>
+      <p:sp>
+        <p:nvSpPr>
+          <p:cNvPr id="10" name="Inhaltsplatzhalter 9">
+            <a:extLst>
+              <a:ext uri="{FF2B5EF4-FFF2-40B4-BE49-F238E27FC236}">
+                <a16:creationId xmlns:a16="http://schemas.microsoft.com/office/drawing/2014/main" id="{44AE8F0C-6B42-4ABB-B98E-325BFE604A5C}"/>
+              </a:ext>
+            </a:extLst>
+          </p:cNvPr>
+          <p:cNvSpPr>
+            <a:spLocks noGrp="1"/>
+          </p:cNvSpPr>
+          <p:nvPr>
+            <p:ph idx="1"/>
+          </p:nvPr>
+        </p:nvSpPr>
+        <p:spPr>
+          <a:xfrm>
+            <a:off x="611187" y="1341437"/>
+            <a:ext cx="7920001" cy="4431290"/>
+          </a:xfrm>
+        </p:spPr>
+        <p:txBody>
+          <a:bodyPr/>
+          <a:lstStyle/>
+          <a:p>
+            <a:pPr marL="342900" indent="-342900">
+              <a:buFont typeface="+mj-lt"/>
+              <a:buAutoNum type="arabicPeriod"/>
+            </a:pPr>
+            <a:endParaRPr lang="de-DE" dirty="0" smtClean="0"/>
+          </a:p>
+          <a:p>
+            <a:pPr marL="465750" lvl="1" indent="-285750"/>
+            <a:endParaRPr lang="de-DE" dirty="0"/>
+          </a:p>
+        </p:txBody>
+      </p:sp>
+      <p:sp>
+        <p:nvSpPr>
+          <p:cNvPr id="6" name="Datumsplatzhalter 5">
+            <a:extLst>
+              <a:ext uri="{FF2B5EF4-FFF2-40B4-BE49-F238E27FC236}">
+                <a16:creationId xmlns:a16="http://schemas.microsoft.com/office/drawing/2014/main" id="{84598C5A-1228-4CCE-9531-07A0C30D6117}"/>
+              </a:ext>
+            </a:extLst>
+          </p:cNvPr>
+          <p:cNvSpPr>
+            <a:spLocks noGrp="1"/>
+          </p:cNvSpPr>
+          <p:nvPr>
+            <p:ph type="dt" sz="half" idx="10"/>
+          </p:nvPr>
+        </p:nvSpPr>
+        <p:spPr/>
+        <p:txBody>
+          <a:bodyPr/>
+          <a:lstStyle/>
+          <a:p>
+            <a:fld id="{6B82CF1B-05B0-41E3-B3F3-316D2D54CB33}" type="datetime1">
+              <a:rPr lang="de-DE" smtClean="0"/>
+              <a:pPr/>
+              <a:t>29.09.2020</a:t>
+            </a:fld>
+            <a:endParaRPr lang="de-DE"/>
+          </a:p>
+        </p:txBody>
+      </p:sp>
+      <p:sp>
+        <p:nvSpPr>
+          <p:cNvPr id="7" name="Fußzeilenplatzhalter 6">
+            <a:extLst>
+              <a:ext uri="{FF2B5EF4-FFF2-40B4-BE49-F238E27FC236}">
+                <a16:creationId xmlns:a16="http://schemas.microsoft.com/office/drawing/2014/main" id="{41CAB9F5-85D9-4D0B-9D7D-05F66E31B5CF}"/>
+              </a:ext>
+            </a:extLst>
+          </p:cNvPr>
+          <p:cNvSpPr>
+            <a:spLocks noGrp="1"/>
+          </p:cNvSpPr>
+          <p:nvPr>
+            <p:ph type="ftr" sz="quarter" idx="11"/>
+          </p:nvPr>
+        </p:nvSpPr>
+        <p:spPr/>
+        <p:txBody>
+          <a:bodyPr/>
+          <a:lstStyle/>
+          <a:p>
+            <a:r>
+              <a:rPr lang="de-DE" dirty="0" smtClean="0"/>
+              <a:t>Christian Paret | Klinik für Psychosomatik und Psychotherapeutische Medizin</a:t>
+            </a:r>
+            <a:endParaRPr lang="de-DE" dirty="0"/>
+          </a:p>
+        </p:txBody>
+      </p:sp>
+      <p:sp>
+        <p:nvSpPr>
+          <p:cNvPr id="8" name="Foliennummernplatzhalter 7">
+            <a:extLst>
+              <a:ext uri="{FF2B5EF4-FFF2-40B4-BE49-F238E27FC236}">
+                <a16:creationId xmlns:a16="http://schemas.microsoft.com/office/drawing/2014/main" id="{63614E0B-E602-495F-9BDB-7B5C4512D759}"/>
+              </a:ext>
+            </a:extLst>
+          </p:cNvPr>
+          <p:cNvSpPr>
+            <a:spLocks noGrp="1"/>
+          </p:cNvSpPr>
+          <p:nvPr>
+            <p:ph type="sldNum" sz="quarter" idx="12"/>
+          </p:nvPr>
+        </p:nvSpPr>
+        <p:spPr/>
+        <p:txBody>
+          <a:bodyPr/>
+          <a:lstStyle/>
+          <a:p>
+            <a:fld id="{C0CF0538-B257-4920-8B90-2F4CB9C48A75}" type="slidenum">
+              <a:rPr lang="de-DE" smtClean="0"/>
+              <a:pPr/>
+              <a:t>10</a:t>
+            </a:fld>
+            <a:endParaRPr lang="de-DE"/>
+          </a:p>
+        </p:txBody>
+      </p:sp>
+      <p:sp>
+        <p:nvSpPr>
+          <p:cNvPr id="13" name="Textfeld 12"/>
+          <p:cNvSpPr txBox="1"/>
+          <p:nvPr/>
+        </p:nvSpPr>
+        <p:spPr>
+          <a:xfrm>
+            <a:off x="505962" y="1341437"/>
+            <a:ext cx="7844073" cy="923330"/>
+          </a:xfrm>
+          <a:prstGeom prst="rect">
+            <a:avLst/>
+          </a:prstGeom>
+          <a:noFill/>
+        </p:spPr>
+        <p:txBody>
+          <a:bodyPr wrap="square" rtlCol="0">
+            <a:spAutoFit/>
+          </a:bodyPr>
+          <a:lstStyle/>
+          <a:p>
+            <a:r>
+              <a:rPr lang="de-DE" dirty="0" err="1" smtClean="0"/>
+              <a:t>Two</a:t>
+            </a:r>
+            <a:r>
+              <a:rPr lang="de-DE" dirty="0" smtClean="0"/>
+              <a:t> </a:t>
+            </a:r>
+            <a:r>
+              <a:rPr lang="de-DE" dirty="0" err="1" smtClean="0"/>
+              <a:t>files</a:t>
+            </a:r>
+            <a:r>
+              <a:rPr lang="de-DE" dirty="0" smtClean="0"/>
+              <a:t> per </a:t>
+            </a:r>
+            <a:r>
+              <a:rPr lang="de-DE" dirty="0" err="1" smtClean="0"/>
+              <a:t>task</a:t>
+            </a:r>
+            <a:r>
+              <a:rPr lang="de-DE" dirty="0" smtClean="0"/>
+              <a:t> </a:t>
+            </a:r>
+            <a:r>
+              <a:rPr lang="de-DE" dirty="0" err="1" smtClean="0"/>
+              <a:t>are</a:t>
+            </a:r>
+            <a:r>
+              <a:rPr lang="de-DE" dirty="0" smtClean="0"/>
+              <a:t> </a:t>
+            </a:r>
+            <a:r>
+              <a:rPr lang="de-DE" dirty="0" err="1" smtClean="0"/>
+              <a:t>created</a:t>
+            </a:r>
+            <a:r>
+              <a:rPr lang="de-DE" dirty="0" smtClean="0"/>
+              <a:t>:</a:t>
+            </a:r>
+          </a:p>
+          <a:p>
+            <a:pPr marL="285750" indent="-285750">
+              <a:buFontTx/>
+              <a:buChar char="-"/>
+            </a:pPr>
+            <a:r>
+              <a:rPr lang="de-DE" dirty="0" smtClean="0"/>
+              <a:t>The </a:t>
+            </a:r>
+            <a:r>
+              <a:rPr lang="de-DE" dirty="0" err="1" smtClean="0"/>
+              <a:t>events.tsv</a:t>
+            </a:r>
+            <a:r>
+              <a:rPr lang="de-DE" dirty="0" smtClean="0"/>
+              <a:t> </a:t>
+            </a:r>
+            <a:r>
+              <a:rPr lang="de-DE" dirty="0" err="1" smtClean="0"/>
+              <a:t>file</a:t>
+            </a:r>
+            <a:r>
+              <a:rPr lang="de-DE" dirty="0" smtClean="0"/>
+              <a:t> </a:t>
+            </a:r>
+            <a:r>
+              <a:rPr lang="de-DE" dirty="0" err="1" smtClean="0"/>
+              <a:t>is</a:t>
+            </a:r>
+            <a:r>
+              <a:rPr lang="de-DE" dirty="0" smtClean="0"/>
+              <a:t> </a:t>
+            </a:r>
+            <a:r>
+              <a:rPr lang="de-DE" dirty="0" err="1" smtClean="0"/>
+              <a:t>for</a:t>
+            </a:r>
+            <a:r>
+              <a:rPr lang="de-DE" dirty="0" smtClean="0"/>
+              <a:t> BIDS </a:t>
+            </a:r>
+            <a:r>
+              <a:rPr lang="de-DE" dirty="0" err="1" smtClean="0"/>
+              <a:t>compatibility</a:t>
+            </a:r>
+            <a:endParaRPr lang="de-DE" dirty="0" smtClean="0"/>
+          </a:p>
+          <a:p>
+            <a:pPr marL="285750" indent="-285750">
+              <a:buFontTx/>
+              <a:buChar char="-"/>
+            </a:pPr>
+            <a:r>
+              <a:rPr lang="de-DE" dirty="0" smtClean="0"/>
+              <a:t>The </a:t>
+            </a:r>
+            <a:r>
+              <a:rPr lang="de-DE" dirty="0" err="1" smtClean="0"/>
+              <a:t>multicond.mat</a:t>
+            </a:r>
+            <a:r>
+              <a:rPr lang="de-DE" dirty="0" smtClean="0"/>
+              <a:t> </a:t>
+            </a:r>
+            <a:r>
+              <a:rPr lang="de-DE" dirty="0" err="1" smtClean="0"/>
+              <a:t>file</a:t>
+            </a:r>
+            <a:r>
+              <a:rPr lang="de-DE" dirty="0" smtClean="0"/>
+              <a:t> </a:t>
+            </a:r>
+            <a:r>
+              <a:rPr lang="de-DE" dirty="0" err="1" smtClean="0"/>
+              <a:t>is</a:t>
+            </a:r>
+            <a:r>
+              <a:rPr lang="de-DE" dirty="0" smtClean="0"/>
+              <a:t> </a:t>
+            </a:r>
+            <a:r>
+              <a:rPr lang="de-DE" dirty="0" err="1" smtClean="0"/>
+              <a:t>compatible</a:t>
+            </a:r>
+            <a:r>
+              <a:rPr lang="de-DE" dirty="0" smtClean="0"/>
+              <a:t> </a:t>
+            </a:r>
+            <a:r>
+              <a:rPr lang="de-DE" dirty="0" err="1" smtClean="0"/>
+              <a:t>with</a:t>
+            </a:r>
+            <a:r>
+              <a:rPr lang="de-DE" dirty="0" smtClean="0"/>
+              <a:t> SPM12 first-level </a:t>
+            </a:r>
+            <a:r>
+              <a:rPr lang="de-DE" dirty="0" err="1" smtClean="0"/>
+              <a:t>analysis</a:t>
+            </a:r>
+            <a:endParaRPr lang="de-DE" dirty="0" smtClean="0"/>
+          </a:p>
+        </p:txBody>
+      </p:sp>
+      <p:pic>
+        <p:nvPicPr>
+          <p:cNvPr id="2" name="Grafik 1"/>
+          <p:cNvPicPr>
+            <a:picLocks noChangeAspect="1"/>
+          </p:cNvPicPr>
+          <p:nvPr/>
+        </p:nvPicPr>
+        <p:blipFill>
+          <a:blip r:embed="rId2"/>
+          <a:stretch>
+            <a:fillRect/>
+          </a:stretch>
+        </p:blipFill>
+        <p:spPr>
+          <a:xfrm>
+            <a:off x="587881" y="2598204"/>
+            <a:ext cx="7674119" cy="3121897"/>
+          </a:xfrm>
+          <a:prstGeom prst="rect">
+            <a:avLst/>
+          </a:prstGeom>
+        </p:spPr>
+      </p:pic>
+    </p:spTree>
+    <p:extLst>
+      <p:ext uri="{BB962C8B-B14F-4D97-AF65-F5344CB8AC3E}">
+        <p14:creationId xmlns:p14="http://schemas.microsoft.com/office/powerpoint/2010/main" val="1129372907"/>
+      </p:ext>
+    </p:extLst>
+  </p:cSld>
+  <p:clrMapOvr>
+    <a:masterClrMapping/>
+  </p:clrMapOvr>
+  <p:timing>
+    <p:tnLst>
+      <p:par>
+        <p:cTn id="1" dur="indefinite" restart="never" nodeType="tmRoot"/>
+      </p:par>
+    </p:tnLst>
+  </p:timing>
+</p:sld>
+</file>
+
+<file path=ppt/slides/slide11.xml><?xml version="1.0" encoding="utf-8"?>
+<p:sld xmlns:a="http://schemas.openxmlformats.org/drawingml/2006/main" xmlns:r="http://schemas.openxmlformats.org/officeDocument/2006/relationships" xmlns:p="http://schemas.openxmlformats.org/presentationml/2006/main">
+  <p:cSld>
+    <p:spTree>
+      <p:nvGrpSpPr>
+        <p:cNvPr id="1" name=""/>
+        <p:cNvGrpSpPr/>
+        <p:nvPr/>
+      </p:nvGrpSpPr>
+      <p:grpSpPr>
+        <a:xfrm>
+          <a:off x="0" y="0"/>
+          <a:ext cx="0" cy="0"/>
+          <a:chOff x="0" y="0"/>
+          <a:chExt cx="0" cy="0"/>
+        </a:xfrm>
+      </p:grpSpPr>
+      <p:pic>
+        <p:nvPicPr>
+          <p:cNvPr id="9" name="Bildplatzhalter 8"/>
+          <p:cNvPicPr>
+            <a:picLocks noGrp="1" noChangeAspect="1"/>
+          </p:cNvPicPr>
+          <p:nvPr>
+            <p:ph type="pic" sz="quarter" idx="13"/>
+          </p:nvPr>
+        </p:nvPicPr>
+        <p:blipFill>
+          <a:blip r:embed="rId2" cstate="hqprint">
+            <a:extLst>
+              <a:ext uri="{28A0092B-C50C-407E-A947-70E740481C1C}">
+                <a14:useLocalDpi xmlns:a14="http://schemas.microsoft.com/office/drawing/2010/main" val="0"/>
+              </a:ext>
+            </a:extLst>
+          </a:blip>
+          <a:srcRect t="35295" b="35295"/>
+          <a:stretch>
+            <a:fillRect/>
+          </a:stretch>
+        </p:blipFill>
+        <p:spPr/>
+      </p:pic>
+      <p:sp>
+        <p:nvSpPr>
+          <p:cNvPr id="7" name="Titel 6">
+            <a:extLst>
+              <a:ext uri="{FF2B5EF4-FFF2-40B4-BE49-F238E27FC236}">
+                <a16:creationId xmlns:a16="http://schemas.microsoft.com/office/drawing/2014/main" id="{CF537ED6-7E98-43A1-9208-DB406726604C}"/>
+              </a:ext>
+            </a:extLst>
+          </p:cNvPr>
+          <p:cNvSpPr>
+            <a:spLocks noGrp="1"/>
+          </p:cNvSpPr>
+          <p:nvPr>
+            <p:ph type="ctrTitle"/>
+          </p:nvPr>
+        </p:nvSpPr>
+        <p:spPr/>
+        <p:txBody>
+          <a:bodyPr/>
+          <a:lstStyle/>
+          <a:p>
+            <a:r>
+              <a:rPr lang="de-DE"/>
+              <a:t>Vielen Dank</a:t>
+            </a:r>
+            <a:br>
+              <a:rPr lang="de-DE"/>
+            </a:br>
+            <a:r>
+              <a:rPr lang="de-DE"/>
+              <a:t>für Ihre Aufmerksamkeit</a:t>
+            </a:r>
+            <a:endParaRPr lang="de-DE" dirty="0"/>
+          </a:p>
+        </p:txBody>
+      </p:sp>
+      <p:sp>
+        <p:nvSpPr>
+          <p:cNvPr id="8" name="Untertitel 7">
+            <a:extLst>
+              <a:ext uri="{FF2B5EF4-FFF2-40B4-BE49-F238E27FC236}">
+                <a16:creationId xmlns:a16="http://schemas.microsoft.com/office/drawing/2014/main" id="{EEA9ED70-6241-4E8E-8542-53B25458FFE9}"/>
+              </a:ext>
+            </a:extLst>
+          </p:cNvPr>
+          <p:cNvSpPr>
+            <a:spLocks noGrp="1"/>
+          </p:cNvSpPr>
+          <p:nvPr>
+            <p:ph type="subTitle" idx="1"/>
+          </p:nvPr>
+        </p:nvSpPr>
+        <p:spPr/>
+        <p:txBody>
+          <a:bodyPr/>
+          <a:lstStyle/>
+          <a:p>
+            <a:r>
+              <a:rPr lang="de-DE" dirty="0"/>
+              <a:t>www.zi-mannheim.de</a:t>
+            </a:r>
+          </a:p>
+          <a:p>
+            <a:r>
+              <a:rPr lang="de-DE" dirty="0"/>
+              <a:t>info@zi-mannheim.de</a:t>
+            </a:r>
+          </a:p>
+        </p:txBody>
+      </p:sp>
+      <p:sp>
+        <p:nvSpPr>
+          <p:cNvPr id="4" name="Datumsplatzhalter 3">
+            <a:extLst>
+              <a:ext uri="{FF2B5EF4-FFF2-40B4-BE49-F238E27FC236}">
+                <a16:creationId xmlns:a16="http://schemas.microsoft.com/office/drawing/2014/main" id="{43109662-40FF-4EB4-9B80-F19211F374DD}"/>
+              </a:ext>
+            </a:extLst>
+          </p:cNvPr>
+          <p:cNvSpPr>
+            <a:spLocks noGrp="1"/>
+          </p:cNvSpPr>
+          <p:nvPr>
+            <p:ph type="dt" sz="half" idx="14"/>
+          </p:nvPr>
+        </p:nvSpPr>
+        <p:spPr/>
+        <p:txBody>
+          <a:bodyPr/>
+          <a:lstStyle/>
+          <a:p>
+            <a:fld id="{508801FC-BAFD-4AE9-B7FE-E17022D1353E}" type="datetime1">
+              <a:rPr lang="de-DE" smtClean="0"/>
+              <a:pPr/>
+              <a:t>29.09.2020</a:t>
+            </a:fld>
+            <a:endParaRPr lang="de-DE"/>
+          </a:p>
+        </p:txBody>
+      </p:sp>
+      <p:sp>
+        <p:nvSpPr>
+          <p:cNvPr id="5" name="Fußzeilenplatzhalter 4">
+            <a:extLst>
+              <a:ext uri="{FF2B5EF4-FFF2-40B4-BE49-F238E27FC236}">
+                <a16:creationId xmlns:a16="http://schemas.microsoft.com/office/drawing/2014/main" id="{5F65F641-4452-466C-BEA8-C272B4E4A09B}"/>
+              </a:ext>
+            </a:extLst>
+          </p:cNvPr>
+          <p:cNvSpPr>
+            <a:spLocks noGrp="1"/>
+          </p:cNvSpPr>
+          <p:nvPr>
+            <p:ph type="ftr" sz="quarter" idx="15"/>
+          </p:nvPr>
+        </p:nvSpPr>
+        <p:spPr/>
+        <p:txBody>
+          <a:bodyPr/>
+          <a:lstStyle/>
+          <a:p>
+            <a:r>
+              <a:rPr lang="de-DE"/>
+              <a:t>Absender der Präsentation | Bereich</a:t>
+            </a:r>
+          </a:p>
+        </p:txBody>
+      </p:sp>
+      <p:sp>
+        <p:nvSpPr>
+          <p:cNvPr id="6" name="Foliennummernplatzhalter 5">
+            <a:extLst>
+              <a:ext uri="{FF2B5EF4-FFF2-40B4-BE49-F238E27FC236}">
+                <a16:creationId xmlns:a16="http://schemas.microsoft.com/office/drawing/2014/main" id="{D2D0D1D5-5A87-4E74-8EA3-D531570D6EB8}"/>
+              </a:ext>
+            </a:extLst>
+          </p:cNvPr>
+          <p:cNvSpPr>
+            <a:spLocks noGrp="1"/>
+          </p:cNvSpPr>
+          <p:nvPr>
+            <p:ph type="sldNum" sz="quarter" idx="16"/>
+          </p:nvPr>
+        </p:nvSpPr>
+        <p:spPr/>
+        <p:txBody>
+          <a:bodyPr/>
+          <a:lstStyle/>
+          <a:p>
+            <a:fld id="{C0CF0538-B257-4920-8B90-2F4CB9C48A75}" type="slidenum">
+              <a:rPr lang="de-DE" smtClean="0"/>
+              <a:pPr/>
+              <a:t>11</a:t>
+            </a:fld>
+            <a:endParaRPr lang="de-DE"/>
+          </a:p>
+        </p:txBody>
+      </p:sp>
+    </p:spTree>
+    <p:extLst>
+      <p:ext uri="{BB962C8B-B14F-4D97-AF65-F5344CB8AC3E}">
+        <p14:creationId xmlns:p14="http://schemas.microsoft.com/office/powerpoint/2010/main" val="1220461973"/>
       </p:ext>
     </p:extLst>
   </p:cSld>
@@ -12517,7 +13126,7 @@
             <a:fld id="{6B82CF1B-05B0-41E3-B3F3-316D2D54CB33}" type="datetime1">
               <a:rPr lang="de-DE" smtClean="0"/>
               <a:pPr/>
-              <a:t>23.09.2020</a:t>
+              <a:t>29.09.2020</a:t>
             </a:fld>
             <a:endParaRPr lang="de-DE"/>
           </a:p>
@@ -12859,7 +13468,7 @@
             <a:fld id="{6B82CF1B-05B0-41E3-B3F3-316D2D54CB33}" type="datetime1">
               <a:rPr lang="de-DE" smtClean="0"/>
               <a:pPr/>
-              <a:t>23.09.2020</a:t>
+              <a:t>29.09.2020</a:t>
             </a:fld>
             <a:endParaRPr lang="de-DE"/>
           </a:p>
@@ -13269,11 +13878,15 @@
           <a:p>
             <a:r>
               <a:rPr lang="de-DE" dirty="0" smtClean="0"/>
-              <a:t>Data </a:t>
+              <a:t>The </a:t>
             </a:r>
             <a:r>
               <a:rPr lang="de-DE" dirty="0" err="1" smtClean="0"/>
-              <a:t>structure</a:t>
+              <a:t>datasheet</a:t>
+            </a:r>
+            <a:r>
+              <a:rPr lang="de-DE" dirty="0" smtClean="0"/>
+              <a:t>-file</a:t>
             </a:r>
             <a:endParaRPr lang="de-DE" dirty="0"/>
           </a:p>
@@ -13341,7 +13954,7 @@
             <a:fld id="{6B82CF1B-05B0-41E3-B3F3-316D2D54CB33}" type="datetime1">
               <a:rPr lang="de-DE" smtClean="0"/>
               <a:pPr/>
-              <a:t>23.09.2020</a:t>
+              <a:t>29.09.2020</a:t>
             </a:fld>
             <a:endParaRPr lang="de-DE"/>
           </a:p>
@@ -13406,273 +14019,12 @@
           </a:p>
         </p:txBody>
       </p:sp>
-      <p:sp>
-        <p:nvSpPr>
-          <p:cNvPr id="3" name="Textfeld 2"/>
-          <p:cNvSpPr txBox="1"/>
-          <p:nvPr/>
-        </p:nvSpPr>
-        <p:spPr>
-          <a:xfrm>
-            <a:off x="757382" y="1341437"/>
-            <a:ext cx="7844073" cy="1200329"/>
-          </a:xfrm>
-          <a:prstGeom prst="rect">
-            <a:avLst/>
-          </a:prstGeom>
-          <a:noFill/>
-        </p:spPr>
-        <p:txBody>
-          <a:bodyPr wrap="square" rtlCol="0">
-            <a:spAutoFit/>
-          </a:bodyPr>
-          <a:lstStyle/>
-          <a:p>
-            <a:r>
-              <a:rPr lang="de-DE" dirty="0" err="1" smtClean="0"/>
-              <a:t>Automated</a:t>
-            </a:r>
-            <a:r>
-              <a:rPr lang="de-DE" dirty="0" smtClean="0"/>
-              <a:t> Import </a:t>
-            </a:r>
-            <a:r>
-              <a:rPr lang="de-DE" dirty="0" err="1" smtClean="0"/>
-              <a:t>requires</a:t>
-            </a:r>
-            <a:r>
-              <a:rPr lang="de-DE" dirty="0" smtClean="0"/>
-              <a:t> </a:t>
-            </a:r>
-            <a:r>
-              <a:rPr lang="de-DE" dirty="0" err="1" smtClean="0"/>
-              <a:t>to</a:t>
-            </a:r>
-            <a:r>
-              <a:rPr lang="de-DE" dirty="0" smtClean="0"/>
-              <a:t> </a:t>
-            </a:r>
-            <a:r>
-              <a:rPr lang="de-DE" dirty="0" err="1" smtClean="0"/>
-              <a:t>fill</a:t>
-            </a:r>
-            <a:r>
-              <a:rPr lang="de-DE" dirty="0" smtClean="0"/>
-              <a:t> in </a:t>
-            </a:r>
-            <a:r>
-              <a:rPr lang="de-DE" dirty="0" err="1" smtClean="0"/>
-              <a:t>the</a:t>
-            </a:r>
-            <a:r>
-              <a:rPr lang="de-DE" dirty="0" smtClean="0"/>
-              <a:t> datasheet.xlsx </a:t>
-            </a:r>
-            <a:r>
-              <a:rPr lang="de-DE" dirty="0" err="1" smtClean="0"/>
-              <a:t>file</a:t>
-            </a:r>
-            <a:r>
-              <a:rPr lang="de-DE" dirty="0" smtClean="0"/>
-              <a:t>.</a:t>
-            </a:r>
-          </a:p>
-          <a:p>
-            <a:r>
-              <a:rPr lang="de-DE" dirty="0" smtClean="0"/>
-              <a:t>This </a:t>
-            </a:r>
-            <a:r>
-              <a:rPr lang="de-DE" dirty="0" err="1" smtClean="0"/>
-              <a:t>file</a:t>
-            </a:r>
-            <a:r>
-              <a:rPr lang="de-DE" dirty="0" smtClean="0"/>
-              <a:t> </a:t>
-            </a:r>
-            <a:r>
-              <a:rPr lang="de-DE" dirty="0" err="1" smtClean="0"/>
-              <a:t>contains</a:t>
-            </a:r>
-            <a:r>
-              <a:rPr lang="de-DE" dirty="0" smtClean="0"/>
-              <a:t> </a:t>
-            </a:r>
-            <a:r>
-              <a:rPr lang="de-DE" dirty="0" err="1" smtClean="0"/>
-              <a:t>descriptive</a:t>
-            </a:r>
-            <a:r>
-              <a:rPr lang="de-DE" dirty="0" smtClean="0"/>
-              <a:t> </a:t>
-            </a:r>
-            <a:r>
-              <a:rPr lang="de-DE" dirty="0" err="1" smtClean="0"/>
-              <a:t>information</a:t>
-            </a:r>
-            <a:r>
-              <a:rPr lang="de-DE" dirty="0" smtClean="0"/>
-              <a:t> </a:t>
-            </a:r>
-            <a:r>
-              <a:rPr lang="de-DE" dirty="0" err="1" smtClean="0"/>
-              <a:t>which</a:t>
-            </a:r>
-            <a:r>
-              <a:rPr lang="de-DE" dirty="0" smtClean="0"/>
-              <a:t> </a:t>
-            </a:r>
-            <a:r>
-              <a:rPr lang="de-DE" dirty="0" err="1" smtClean="0"/>
-              <a:t>is</a:t>
-            </a:r>
-            <a:r>
-              <a:rPr lang="de-DE" dirty="0" smtClean="0"/>
-              <a:t> </a:t>
-            </a:r>
-            <a:r>
-              <a:rPr lang="de-DE" dirty="0" err="1" smtClean="0"/>
-              <a:t>used</a:t>
-            </a:r>
-            <a:r>
-              <a:rPr lang="de-DE" dirty="0" smtClean="0"/>
-              <a:t> </a:t>
-            </a:r>
-            <a:r>
-              <a:rPr lang="de-DE" dirty="0" err="1" smtClean="0"/>
-              <a:t>by</a:t>
-            </a:r>
-            <a:r>
-              <a:rPr lang="de-DE" dirty="0" smtClean="0"/>
-              <a:t> </a:t>
-            </a:r>
-            <a:r>
-              <a:rPr lang="de-DE" dirty="0" err="1" smtClean="0"/>
-              <a:t>the</a:t>
-            </a:r>
-            <a:r>
-              <a:rPr lang="de-DE" dirty="0" smtClean="0"/>
-              <a:t> </a:t>
-            </a:r>
-            <a:r>
-              <a:rPr lang="de-DE" dirty="0" err="1" smtClean="0"/>
-              <a:t>matlab-based</a:t>
-            </a:r>
-            <a:r>
-              <a:rPr lang="de-DE" dirty="0" smtClean="0"/>
-              <a:t> </a:t>
-            </a:r>
-            <a:r>
-              <a:rPr lang="de-DE" dirty="0" err="1" smtClean="0"/>
-              <a:t>programs</a:t>
-            </a:r>
-            <a:r>
-              <a:rPr lang="de-DE" dirty="0" smtClean="0"/>
-              <a:t> </a:t>
-            </a:r>
-            <a:r>
-              <a:rPr lang="de-DE" dirty="0" err="1" smtClean="0"/>
-              <a:t>to</a:t>
-            </a:r>
-            <a:r>
-              <a:rPr lang="de-DE" dirty="0" smtClean="0"/>
-              <a:t> </a:t>
-            </a:r>
-            <a:r>
-              <a:rPr lang="de-DE" dirty="0" err="1" smtClean="0"/>
-              <a:t>navigate</a:t>
-            </a:r>
-            <a:r>
-              <a:rPr lang="de-DE" dirty="0" smtClean="0"/>
-              <a:t> </a:t>
-            </a:r>
-            <a:r>
-              <a:rPr lang="de-DE" dirty="0" err="1" smtClean="0"/>
-              <a:t>through</a:t>
-            </a:r>
-            <a:r>
-              <a:rPr lang="de-DE" dirty="0" smtClean="0"/>
-              <a:t> </a:t>
-            </a:r>
-            <a:r>
-              <a:rPr lang="de-DE" dirty="0" err="1" smtClean="0"/>
-              <a:t>paths</a:t>
-            </a:r>
-            <a:r>
-              <a:rPr lang="de-DE" dirty="0" smtClean="0"/>
-              <a:t>, </a:t>
-            </a:r>
-            <a:r>
-              <a:rPr lang="de-DE" dirty="0" err="1" smtClean="0"/>
-              <a:t>access</a:t>
-            </a:r>
-            <a:r>
-              <a:rPr lang="de-DE" dirty="0" smtClean="0"/>
-              <a:t> </a:t>
-            </a:r>
-            <a:r>
-              <a:rPr lang="de-DE" dirty="0" err="1" smtClean="0"/>
-              <a:t>subject</a:t>
-            </a:r>
-            <a:r>
-              <a:rPr lang="de-DE" dirty="0" smtClean="0"/>
-              <a:t> </a:t>
-            </a:r>
-            <a:r>
-              <a:rPr lang="de-DE" dirty="0" err="1" smtClean="0"/>
-              <a:t>data</a:t>
-            </a:r>
-            <a:r>
-              <a:rPr lang="de-DE" dirty="0" smtClean="0"/>
-              <a:t>, and </a:t>
-            </a:r>
-            <a:r>
-              <a:rPr lang="de-DE" dirty="0" err="1" smtClean="0"/>
-              <a:t>to</a:t>
-            </a:r>
-            <a:r>
-              <a:rPr lang="de-DE" dirty="0" smtClean="0"/>
-              <a:t> </a:t>
-            </a:r>
-            <a:r>
-              <a:rPr lang="de-DE" dirty="0" err="1" smtClean="0"/>
-              <a:t>interpret</a:t>
-            </a:r>
-            <a:r>
-              <a:rPr lang="de-DE" dirty="0" smtClean="0"/>
-              <a:t> </a:t>
-            </a:r>
-            <a:r>
-              <a:rPr lang="de-DE" dirty="0" err="1" smtClean="0"/>
-              <a:t>fMRI</a:t>
-            </a:r>
-            <a:r>
-              <a:rPr lang="de-DE" dirty="0" smtClean="0"/>
-              <a:t> and </a:t>
-            </a:r>
-            <a:r>
-              <a:rPr lang="de-DE" dirty="0" err="1" smtClean="0"/>
-              <a:t>logfile</a:t>
-            </a:r>
-            <a:r>
-              <a:rPr lang="de-DE" dirty="0" smtClean="0"/>
-              <a:t> </a:t>
-            </a:r>
-            <a:r>
-              <a:rPr lang="de-DE" dirty="0" err="1" smtClean="0"/>
-              <a:t>data</a:t>
-            </a:r>
-            <a:r>
-              <a:rPr lang="de-DE" dirty="0" smtClean="0"/>
-              <a:t>.</a:t>
-            </a:r>
-          </a:p>
-        </p:txBody>
-      </p:sp>
       <p:pic>
         <p:nvPicPr>
-          <p:cNvPr id="11" name="Grafik 10"/>
-          <p:cNvPicPr/>
+          <p:cNvPr id="3" name="Grafik 2"/>
+          <p:cNvPicPr>
+            <a:picLocks noChangeAspect="1"/>
+          </p:cNvPicPr>
           <p:nvPr/>
         </p:nvPicPr>
         <p:blipFill>
@@ -13683,8 +14035,8 @@
         </p:blipFill>
         <p:spPr>
           <a:xfrm>
-            <a:off x="757382" y="2782345"/>
-            <a:ext cx="7470899" cy="2982912"/>
+            <a:off x="427542" y="1341437"/>
+            <a:ext cx="8103646" cy="4313503"/>
           </a:xfrm>
           <a:prstGeom prst="rect">
             <a:avLst/>
@@ -13694,7 +14046,7 @@
     </p:spTree>
     <p:extLst>
       <p:ext uri="{BB962C8B-B14F-4D97-AF65-F5344CB8AC3E}">
-        <p14:creationId xmlns:p14="http://schemas.microsoft.com/office/powerpoint/2010/main" val="2939674468"/>
+        <p14:creationId xmlns:p14="http://schemas.microsoft.com/office/powerpoint/2010/main" val="4120489132"/>
       </p:ext>
     </p:extLst>
   </p:cSld>
@@ -13751,15 +14103,15 @@
           <a:p>
             <a:r>
               <a:rPr lang="de-DE" dirty="0" smtClean="0"/>
-              <a:t>The </a:t>
+              <a:t>Import </a:t>
             </a:r>
             <a:r>
               <a:rPr lang="de-DE" dirty="0" err="1" smtClean="0"/>
-              <a:t>datasheet</a:t>
-            </a:r>
-            <a:r>
-              <a:rPr lang="de-DE" dirty="0" smtClean="0"/>
-              <a:t>-file</a:t>
+              <a:t>to</a:t>
+            </a:r>
+            <a:r>
+              <a:rPr lang="de-DE" dirty="0" smtClean="0"/>
+              <a:t> BIDS</a:t>
             </a:r>
             <a:endParaRPr lang="de-DE" dirty="0"/>
           </a:p>
@@ -13827,7 +14179,7 @@
             <a:fld id="{6B82CF1B-05B0-41E3-B3F3-316D2D54CB33}" type="datetime1">
               <a:rPr lang="de-DE" smtClean="0"/>
               <a:pPr/>
-              <a:t>23.09.2020</a:t>
+              <a:t>29.09.2020</a:t>
             </a:fld>
             <a:endParaRPr lang="de-DE"/>
           </a:p>
@@ -13894,10 +14246,8 @@
       </p:sp>
       <p:pic>
         <p:nvPicPr>
-          <p:cNvPr id="2" name="Grafik 1"/>
-          <p:cNvPicPr>
-            <a:picLocks noChangeAspect="1"/>
-          </p:cNvPicPr>
+          <p:cNvPr id="12" name="Grafik 11"/>
+          <p:cNvPicPr/>
           <p:nvPr/>
         </p:nvPicPr>
         <p:blipFill>
@@ -13908,18 +14258,93 @@
         </p:blipFill>
         <p:spPr>
           <a:xfrm>
-            <a:off x="380497" y="1341437"/>
-            <a:ext cx="8677481" cy="4708044"/>
+            <a:off x="611187" y="1842254"/>
+            <a:ext cx="8046167" cy="4263910"/>
           </a:xfrm>
           <a:prstGeom prst="rect">
             <a:avLst/>
           </a:prstGeom>
         </p:spPr>
       </p:pic>
+      <p:sp>
+        <p:nvSpPr>
+          <p:cNvPr id="2" name="Ellipse 1"/>
+          <p:cNvSpPr/>
+          <p:nvPr/>
+        </p:nvSpPr>
+        <p:spPr>
+          <a:xfrm>
+            <a:off x="4959928" y="2761672"/>
+            <a:ext cx="683491" cy="637309"/>
+          </a:xfrm>
+          <a:prstGeom prst="ellipse">
+            <a:avLst/>
+          </a:prstGeom>
+          <a:noFill/>
+          <a:ln w="28575">
+            <a:solidFill>
+              <a:srgbClr val="FF0000"/>
+            </a:solidFill>
+          </a:ln>
+        </p:spPr>
+        <p:style>
+          <a:lnRef idx="2">
+            <a:schemeClr val="accent1">
+              <a:shade val="50000"/>
+            </a:schemeClr>
+          </a:lnRef>
+          <a:fillRef idx="1">
+            <a:schemeClr val="accent1"/>
+          </a:fillRef>
+          <a:effectRef idx="0">
+            <a:schemeClr val="accent1"/>
+          </a:effectRef>
+          <a:fontRef idx="minor">
+            <a:schemeClr val="lt1"/>
+          </a:fontRef>
+        </p:style>
+        <p:txBody>
+          <a:bodyPr rtlCol="0" anchor="ctr"/>
+          <a:lstStyle/>
+          <a:p>
+            <a:pPr algn="ctr"/>
+            <a:endParaRPr lang="de-DE"/>
+          </a:p>
+        </p:txBody>
+      </p:sp>
+      <p:sp>
+        <p:nvSpPr>
+          <p:cNvPr id="13" name="Textfeld 12"/>
+          <p:cNvSpPr txBox="1"/>
+          <p:nvPr/>
+        </p:nvSpPr>
+        <p:spPr>
+          <a:xfrm>
+            <a:off x="505962" y="1222514"/>
+            <a:ext cx="7844073" cy="369332"/>
+          </a:xfrm>
+          <a:prstGeom prst="rect">
+            <a:avLst/>
+          </a:prstGeom>
+          <a:noFill/>
+        </p:spPr>
+        <p:txBody>
+          <a:bodyPr wrap="square" rtlCol="0">
+            <a:spAutoFit/>
+          </a:bodyPr>
+          <a:lstStyle/>
+          <a:p>
+            <a:r>
+              <a:rPr lang="de-DE" dirty="0" smtClean="0"/>
+              <a:t>Run RaBIDS_1_Import.m:</a:t>
+            </a:r>
+          </a:p>
+        </p:txBody>
+      </p:sp>
     </p:spTree>
     <p:extLst>
       <p:ext uri="{BB962C8B-B14F-4D97-AF65-F5344CB8AC3E}">
-        <p14:creationId xmlns:p14="http://schemas.microsoft.com/office/powerpoint/2010/main" val="4120489132"/>
+        <p14:creationId xmlns:p14="http://schemas.microsoft.com/office/powerpoint/2010/main" val="739022414"/>
       </p:ext>
     </p:extLst>
   </p:cSld>
@@ -13953,37 +14378,12 @@
           <a:chExt cx="0" cy="0"/>
         </a:xfrm>
       </p:grpSpPr>
-      <p:pic>
-        <p:nvPicPr>
-          <p:cNvPr id="9" name="Bildplatzhalter 8"/>
-          <p:cNvPicPr>
-            <a:picLocks noGrp="1" noChangeAspect="1"/>
-          </p:cNvPicPr>
-          <p:nvPr>
-            <p:ph type="pic" sz="quarter" idx="13"/>
-          </p:nvPr>
-        </p:nvPicPr>
-        <p:blipFill>
-          <a:blip r:embed="rId2" cstate="hqprint">
-            <a:extLst>
-              <a:ext uri="{28A0092B-C50C-407E-A947-70E740481C1C}">
-                <a14:useLocalDpi xmlns:a14="http://schemas.microsoft.com/office/drawing/2010/main" val="0"/>
-              </a:ext>
-            </a:extLst>
-          </a:blip>
-          <a:srcRect t="35295" b="35295"/>
-          <a:stretch>
-            <a:fillRect/>
-          </a:stretch>
-        </p:blipFill>
-        <p:spPr/>
-      </p:pic>
       <p:sp>
         <p:nvSpPr>
-          <p:cNvPr id="7" name="Titel 6">
+          <p:cNvPr id="9" name="Titel 8">
             <a:extLst>
               <a:ext uri="{FF2B5EF4-FFF2-40B4-BE49-F238E27FC236}">
-                <a16:creationId xmlns:a16="http://schemas.microsoft.com/office/drawing/2014/main" id="{CF537ED6-7E98-43A1-9208-DB406726604C}"/>
+                <a16:creationId xmlns:a16="http://schemas.microsoft.com/office/drawing/2014/main" id="{3376FF2B-8C47-4126-96EF-85AE5244ED95}"/>
               </a:ext>
             </a:extLst>
           </p:cNvPr>
@@ -13991,7 +14391,7 @@
             <a:spLocks noGrp="1"/>
           </p:cNvSpPr>
           <p:nvPr>
-            <p:ph type="ctrTitle"/>
+            <p:ph type="title"/>
           </p:nvPr>
         </p:nvSpPr>
         <p:spPr/>
@@ -14000,15 +14400,16 @@
           <a:lstStyle/>
           <a:p>
             <a:r>
-              <a:rPr lang="de-DE"/>
-              <a:t>Vielen Dank</a:t>
-            </a:r>
-            <a:br>
-              <a:rPr lang="de-DE"/>
-            </a:br>
-            <a:r>
-              <a:rPr lang="de-DE"/>
-              <a:t>für Ihre Aufmerksamkeit</a:t>
+              <a:rPr lang="de-DE" dirty="0" smtClean="0"/>
+              <a:t>Import </a:t>
+            </a:r>
+            <a:r>
+              <a:rPr lang="de-DE" dirty="0" err="1" smtClean="0"/>
+              <a:t>to</a:t>
+            </a:r>
+            <a:r>
+              <a:rPr lang="de-DE" dirty="0" smtClean="0"/>
+              <a:t> BIDS</a:t>
             </a:r>
             <a:endParaRPr lang="de-DE" dirty="0"/>
           </a:p>
@@ -14016,10 +14417,10 @@
       </p:sp>
       <p:sp>
         <p:nvSpPr>
-          <p:cNvPr id="8" name="Untertitel 7">
+          <p:cNvPr id="10" name="Inhaltsplatzhalter 9">
             <a:extLst>
               <a:ext uri="{FF2B5EF4-FFF2-40B4-BE49-F238E27FC236}">
-                <a16:creationId xmlns:a16="http://schemas.microsoft.com/office/drawing/2014/main" id="{EEA9ED70-6241-4E8E-8542-53B25458FFE9}"/>
+                <a16:creationId xmlns:a16="http://schemas.microsoft.com/office/drawing/2014/main" id="{44AE8F0C-6B42-4ABB-B98E-325BFE604A5C}"/>
               </a:ext>
             </a:extLst>
           </p:cNvPr>
@@ -14027,33 +14428,37 @@
             <a:spLocks noGrp="1"/>
           </p:cNvSpPr>
           <p:nvPr>
-            <p:ph type="subTitle" idx="1"/>
+            <p:ph idx="1"/>
           </p:nvPr>
         </p:nvSpPr>
-        <p:spPr/>
+        <p:spPr>
+          <a:xfrm>
+            <a:off x="611187" y="1341437"/>
+            <a:ext cx="7920001" cy="4431290"/>
+          </a:xfrm>
+        </p:spPr>
         <p:txBody>
           <a:bodyPr/>
           <a:lstStyle/>
           <a:p>
-            <a:r>
-              <a:rPr lang="de-DE" dirty="0"/>
-              <a:t>www.zi-mannheim.de</a:t>
-            </a:r>
-          </a:p>
-          <a:p>
-            <a:r>
-              <a:rPr lang="de-DE" dirty="0"/>
-              <a:t>info@zi-mannheim.de</a:t>
-            </a:r>
+            <a:pPr marL="342900" indent="-342900">
+              <a:buFont typeface="+mj-lt"/>
+              <a:buAutoNum type="arabicPeriod"/>
+            </a:pPr>
+            <a:endParaRPr lang="de-DE" dirty="0" smtClean="0"/>
+          </a:p>
+          <a:p>
+            <a:pPr marL="465750" lvl="1" indent="-285750"/>
+            <a:endParaRPr lang="de-DE" dirty="0"/>
           </a:p>
         </p:txBody>
       </p:sp>
       <p:sp>
         <p:nvSpPr>
-          <p:cNvPr id="4" name="Datumsplatzhalter 3">
+          <p:cNvPr id="6" name="Datumsplatzhalter 5">
             <a:extLst>
               <a:ext uri="{FF2B5EF4-FFF2-40B4-BE49-F238E27FC236}">
-                <a16:creationId xmlns:a16="http://schemas.microsoft.com/office/drawing/2014/main" id="{43109662-40FF-4EB4-9B80-F19211F374DD}"/>
+                <a16:creationId xmlns:a16="http://schemas.microsoft.com/office/drawing/2014/main" id="{84598C5A-1228-4CCE-9531-07A0C30D6117}"/>
               </a:ext>
             </a:extLst>
           </p:cNvPr>
@@ -14061,7 +14466,7 @@
             <a:spLocks noGrp="1"/>
           </p:cNvSpPr>
           <p:nvPr>
-            <p:ph type="dt" sz="half" idx="14"/>
+            <p:ph type="dt" sz="half" idx="10"/>
           </p:nvPr>
         </p:nvSpPr>
         <p:spPr/>
@@ -14069,10 +14474,10 @@
           <a:bodyPr/>
           <a:lstStyle/>
           <a:p>
-            <a:fld id="{508801FC-BAFD-4AE9-B7FE-E17022D1353E}" type="datetime1">
+            <a:fld id="{6B82CF1B-05B0-41E3-B3F3-316D2D54CB33}" type="datetime1">
               <a:rPr lang="de-DE" smtClean="0"/>
               <a:pPr/>
-              <a:t>23.09.2020</a:t>
+              <a:t>29.09.2020</a:t>
             </a:fld>
             <a:endParaRPr lang="de-DE"/>
           </a:p>
@@ -14080,10 +14485,10 @@
       </p:sp>
       <p:sp>
         <p:nvSpPr>
-          <p:cNvPr id="5" name="Fußzeilenplatzhalter 4">
+          <p:cNvPr id="7" name="Fußzeilenplatzhalter 6">
             <a:extLst>
               <a:ext uri="{FF2B5EF4-FFF2-40B4-BE49-F238E27FC236}">
-                <a16:creationId xmlns:a16="http://schemas.microsoft.com/office/drawing/2014/main" id="{5F65F641-4452-466C-BEA8-C272B4E4A09B}"/>
+                <a16:creationId xmlns:a16="http://schemas.microsoft.com/office/drawing/2014/main" id="{41CAB9F5-85D9-4D0B-9D7D-05F66E31B5CF}"/>
               </a:ext>
             </a:extLst>
           </p:cNvPr>
@@ -14091,7 +14496,7 @@
             <a:spLocks noGrp="1"/>
           </p:cNvSpPr>
           <p:nvPr>
-            <p:ph type="ftr" sz="quarter" idx="15"/>
+            <p:ph type="ftr" sz="quarter" idx="11"/>
           </p:nvPr>
         </p:nvSpPr>
         <p:spPr/>
@@ -14100,18 +14505,19 @@
           <a:lstStyle/>
           <a:p>
             <a:r>
-              <a:rPr lang="de-DE"/>
-              <a:t>Absender der Präsentation | Bereich</a:t>
-            </a:r>
+              <a:rPr lang="de-DE" dirty="0" smtClean="0"/>
+              <a:t>Christian Paret | Klinik für Psychosomatik und Psychotherapeutische Medizin</a:t>
+            </a:r>
+            <a:endParaRPr lang="de-DE" dirty="0"/>
           </a:p>
         </p:txBody>
       </p:sp>
       <p:sp>
         <p:nvSpPr>
-          <p:cNvPr id="6" name="Foliennummernplatzhalter 5">
+          <p:cNvPr id="8" name="Foliennummernplatzhalter 7">
             <a:extLst>
               <a:ext uri="{FF2B5EF4-FFF2-40B4-BE49-F238E27FC236}">
-                <a16:creationId xmlns:a16="http://schemas.microsoft.com/office/drawing/2014/main" id="{D2D0D1D5-5A87-4E74-8EA3-D531570D6EB8}"/>
+                <a16:creationId xmlns:a16="http://schemas.microsoft.com/office/drawing/2014/main" id="{63614E0B-E602-495F-9BDB-7B5C4512D759}"/>
               </a:ext>
             </a:extLst>
           </p:cNvPr>
@@ -14119,7 +14525,7 @@
             <a:spLocks noGrp="1"/>
           </p:cNvSpPr>
           <p:nvPr>
-            <p:ph type="sldNum" sz="quarter" idx="16"/>
+            <p:ph type="sldNum" sz="quarter" idx="12"/>
           </p:nvPr>
         </p:nvSpPr>
         <p:spPr/>
@@ -14136,10 +14542,1533 @@
           </a:p>
         </p:txBody>
       </p:sp>
+      <p:pic>
+        <p:nvPicPr>
+          <p:cNvPr id="3" name="Grafik 2"/>
+          <p:cNvPicPr>
+            <a:picLocks noChangeAspect="1"/>
+          </p:cNvPicPr>
+          <p:nvPr/>
+        </p:nvPicPr>
+        <p:blipFill>
+          <a:blip r:embed="rId2"/>
+          <a:stretch>
+            <a:fillRect/>
+          </a:stretch>
+        </p:blipFill>
+        <p:spPr>
+          <a:xfrm>
+            <a:off x="426242" y="1820575"/>
+            <a:ext cx="8475681" cy="4460421"/>
+          </a:xfrm>
+          <a:prstGeom prst="rect">
+            <a:avLst/>
+          </a:prstGeom>
+        </p:spPr>
+      </p:pic>
+      <p:sp>
+        <p:nvSpPr>
+          <p:cNvPr id="11" name="Textfeld 10"/>
+          <p:cNvSpPr txBox="1"/>
+          <p:nvPr/>
+        </p:nvSpPr>
+        <p:spPr>
+          <a:xfrm>
+            <a:off x="505962" y="1222514"/>
+            <a:ext cx="7844073" cy="369332"/>
+          </a:xfrm>
+          <a:prstGeom prst="rect">
+            <a:avLst/>
+          </a:prstGeom>
+          <a:noFill/>
+        </p:spPr>
+        <p:txBody>
+          <a:bodyPr wrap="square" rtlCol="0">
+            <a:spAutoFit/>
+          </a:bodyPr>
+          <a:lstStyle/>
+          <a:p>
+            <a:r>
+              <a:rPr lang="de-DE" dirty="0" smtClean="0"/>
+              <a:t>The </a:t>
+            </a:r>
+            <a:r>
+              <a:rPr lang="de-DE" dirty="0" err="1" smtClean="0"/>
+              <a:t>command</a:t>
+            </a:r>
+            <a:r>
+              <a:rPr lang="de-DE" dirty="0" smtClean="0"/>
+              <a:t> </a:t>
+            </a:r>
+            <a:r>
+              <a:rPr lang="de-DE" dirty="0" err="1" smtClean="0"/>
+              <a:t>window</a:t>
+            </a:r>
+            <a:r>
+              <a:rPr lang="de-DE" dirty="0" smtClean="0"/>
+              <a:t> </a:t>
+            </a:r>
+            <a:r>
+              <a:rPr lang="de-DE" dirty="0" err="1" smtClean="0"/>
+              <a:t>returns</a:t>
+            </a:r>
+            <a:r>
+              <a:rPr lang="de-DE" dirty="0" smtClean="0"/>
+              <a:t> </a:t>
+            </a:r>
+            <a:r>
+              <a:rPr lang="de-DE" dirty="0" err="1" smtClean="0"/>
+              <a:t>information</a:t>
+            </a:r>
+            <a:r>
+              <a:rPr lang="de-DE" dirty="0" smtClean="0"/>
+              <a:t> </a:t>
+            </a:r>
+            <a:r>
+              <a:rPr lang="de-DE" dirty="0" err="1" smtClean="0"/>
+              <a:t>about</a:t>
+            </a:r>
+            <a:r>
+              <a:rPr lang="de-DE" dirty="0" smtClean="0"/>
+              <a:t> </a:t>
+            </a:r>
+            <a:r>
+              <a:rPr lang="de-DE" dirty="0" err="1" smtClean="0"/>
+              <a:t>the</a:t>
+            </a:r>
+            <a:r>
+              <a:rPr lang="de-DE" dirty="0" smtClean="0"/>
+              <a:t> </a:t>
+            </a:r>
+            <a:r>
+              <a:rPr lang="de-DE" dirty="0" err="1" smtClean="0"/>
+              <a:t>status</a:t>
+            </a:r>
+            <a:r>
+              <a:rPr lang="de-DE" dirty="0" smtClean="0"/>
+              <a:t>:</a:t>
+            </a:r>
+          </a:p>
+        </p:txBody>
+      </p:sp>
     </p:spTree>
     <p:extLst>
       <p:ext uri="{BB962C8B-B14F-4D97-AF65-F5344CB8AC3E}">
-        <p14:creationId xmlns:p14="http://schemas.microsoft.com/office/powerpoint/2010/main" val="1220461973"/>
+        <p14:creationId xmlns:p14="http://schemas.microsoft.com/office/powerpoint/2010/main" val="1713082723"/>
+      </p:ext>
+    </p:extLst>
+  </p:cSld>
+  <p:clrMapOvr>
+    <a:masterClrMapping/>
+  </p:clrMapOvr>
+  <p:timing>
+    <p:tnLst>
+      <p:par>
+        <p:cTn id="1" dur="indefinite" restart="never" nodeType="tmRoot"/>
+      </p:par>
+    </p:tnLst>
+  </p:timing>
+</p:sld>
+</file>
+
+<file path=ppt/slides/slide7.xml><?xml version="1.0" encoding="utf-8"?>
+<p:sld xmlns:a="http://schemas.openxmlformats.org/drawingml/2006/main" xmlns:r="http://schemas.openxmlformats.org/officeDocument/2006/relationships" xmlns:p="http://schemas.openxmlformats.org/presentationml/2006/main">
+  <p:cSld>
+    <p:spTree>
+      <p:nvGrpSpPr>
+        <p:cNvPr id="1" name=""/>
+        <p:cNvGrpSpPr/>
+        <p:nvPr/>
+      </p:nvGrpSpPr>
+      <p:grpSpPr>
+        <a:xfrm>
+          <a:off x="0" y="0"/>
+          <a:ext cx="0" cy="0"/>
+          <a:chOff x="0" y="0"/>
+          <a:chExt cx="0" cy="0"/>
+        </a:xfrm>
+      </p:grpSpPr>
+      <p:sp>
+        <p:nvSpPr>
+          <p:cNvPr id="9" name="Titel 8">
+            <a:extLst>
+              <a:ext uri="{FF2B5EF4-FFF2-40B4-BE49-F238E27FC236}">
+                <a16:creationId xmlns:a16="http://schemas.microsoft.com/office/drawing/2014/main" id="{3376FF2B-8C47-4126-96EF-85AE5244ED95}"/>
+              </a:ext>
+            </a:extLst>
+          </p:cNvPr>
+          <p:cNvSpPr>
+            <a:spLocks noGrp="1"/>
+          </p:cNvSpPr>
+          <p:nvPr>
+            <p:ph type="title"/>
+          </p:nvPr>
+        </p:nvSpPr>
+        <p:spPr/>
+        <p:txBody>
+          <a:bodyPr/>
+          <a:lstStyle/>
+          <a:p>
+            <a:r>
+              <a:rPr lang="de-DE" dirty="0" smtClean="0"/>
+              <a:t>Import </a:t>
+            </a:r>
+            <a:r>
+              <a:rPr lang="de-DE" dirty="0" err="1" smtClean="0"/>
+              <a:t>to</a:t>
+            </a:r>
+            <a:r>
+              <a:rPr lang="de-DE" dirty="0" smtClean="0"/>
+              <a:t> BIDS</a:t>
+            </a:r>
+            <a:endParaRPr lang="de-DE" dirty="0"/>
+          </a:p>
+        </p:txBody>
+      </p:sp>
+      <p:sp>
+        <p:nvSpPr>
+          <p:cNvPr id="10" name="Inhaltsplatzhalter 9">
+            <a:extLst>
+              <a:ext uri="{FF2B5EF4-FFF2-40B4-BE49-F238E27FC236}">
+                <a16:creationId xmlns:a16="http://schemas.microsoft.com/office/drawing/2014/main" id="{44AE8F0C-6B42-4ABB-B98E-325BFE604A5C}"/>
+              </a:ext>
+            </a:extLst>
+          </p:cNvPr>
+          <p:cNvSpPr>
+            <a:spLocks noGrp="1"/>
+          </p:cNvSpPr>
+          <p:nvPr>
+            <p:ph idx="1"/>
+          </p:nvPr>
+        </p:nvSpPr>
+        <p:spPr>
+          <a:xfrm>
+            <a:off x="611187" y="1341437"/>
+            <a:ext cx="7920001" cy="804407"/>
+          </a:xfrm>
+        </p:spPr>
+        <p:txBody>
+          <a:bodyPr/>
+          <a:lstStyle/>
+          <a:p>
+            <a:pPr marL="342900" indent="-342900">
+              <a:buFont typeface="+mj-lt"/>
+              <a:buAutoNum type="arabicPeriod"/>
+            </a:pPr>
+            <a:endParaRPr lang="de-DE" dirty="0" smtClean="0"/>
+          </a:p>
+          <a:p>
+            <a:pPr marL="465750" lvl="1" indent="-285750"/>
+            <a:endParaRPr lang="de-DE" dirty="0"/>
+          </a:p>
+        </p:txBody>
+      </p:sp>
+      <p:sp>
+        <p:nvSpPr>
+          <p:cNvPr id="6" name="Datumsplatzhalter 5">
+            <a:extLst>
+              <a:ext uri="{FF2B5EF4-FFF2-40B4-BE49-F238E27FC236}">
+                <a16:creationId xmlns:a16="http://schemas.microsoft.com/office/drawing/2014/main" id="{84598C5A-1228-4CCE-9531-07A0C30D6117}"/>
+              </a:ext>
+            </a:extLst>
+          </p:cNvPr>
+          <p:cNvSpPr>
+            <a:spLocks noGrp="1"/>
+          </p:cNvSpPr>
+          <p:nvPr>
+            <p:ph type="dt" sz="half" idx="10"/>
+          </p:nvPr>
+        </p:nvSpPr>
+        <p:spPr/>
+        <p:txBody>
+          <a:bodyPr/>
+          <a:lstStyle/>
+          <a:p>
+            <a:fld id="{6B82CF1B-05B0-41E3-B3F3-316D2D54CB33}" type="datetime1">
+              <a:rPr lang="de-DE" smtClean="0"/>
+              <a:pPr/>
+              <a:t>29.09.2020</a:t>
+            </a:fld>
+            <a:endParaRPr lang="de-DE"/>
+          </a:p>
+        </p:txBody>
+      </p:sp>
+      <p:sp>
+        <p:nvSpPr>
+          <p:cNvPr id="7" name="Fußzeilenplatzhalter 6">
+            <a:extLst>
+              <a:ext uri="{FF2B5EF4-FFF2-40B4-BE49-F238E27FC236}">
+                <a16:creationId xmlns:a16="http://schemas.microsoft.com/office/drawing/2014/main" id="{41CAB9F5-85D9-4D0B-9D7D-05F66E31B5CF}"/>
+              </a:ext>
+            </a:extLst>
+          </p:cNvPr>
+          <p:cNvSpPr>
+            <a:spLocks noGrp="1"/>
+          </p:cNvSpPr>
+          <p:nvPr>
+            <p:ph type="ftr" sz="quarter" idx="11"/>
+          </p:nvPr>
+        </p:nvSpPr>
+        <p:spPr/>
+        <p:txBody>
+          <a:bodyPr/>
+          <a:lstStyle/>
+          <a:p>
+            <a:r>
+              <a:rPr lang="de-DE" dirty="0" smtClean="0"/>
+              <a:t>Christian Paret | Klinik für Psychosomatik und Psychotherapeutische Medizin</a:t>
+            </a:r>
+            <a:endParaRPr lang="de-DE" dirty="0"/>
+          </a:p>
+        </p:txBody>
+      </p:sp>
+      <p:sp>
+        <p:nvSpPr>
+          <p:cNvPr id="8" name="Foliennummernplatzhalter 7">
+            <a:extLst>
+              <a:ext uri="{FF2B5EF4-FFF2-40B4-BE49-F238E27FC236}">
+                <a16:creationId xmlns:a16="http://schemas.microsoft.com/office/drawing/2014/main" id="{63614E0B-E602-495F-9BDB-7B5C4512D759}"/>
+              </a:ext>
+            </a:extLst>
+          </p:cNvPr>
+          <p:cNvSpPr>
+            <a:spLocks noGrp="1"/>
+          </p:cNvSpPr>
+          <p:nvPr>
+            <p:ph type="sldNum" sz="quarter" idx="12"/>
+          </p:nvPr>
+        </p:nvSpPr>
+        <p:spPr/>
+        <p:txBody>
+          <a:bodyPr/>
+          <a:lstStyle/>
+          <a:p>
+            <a:fld id="{C0CF0538-B257-4920-8B90-2F4CB9C48A75}" type="slidenum">
+              <a:rPr lang="de-DE" smtClean="0"/>
+              <a:pPr/>
+              <a:t>7</a:t>
+            </a:fld>
+            <a:endParaRPr lang="de-DE"/>
+          </a:p>
+        </p:txBody>
+      </p:sp>
+      <p:sp>
+        <p:nvSpPr>
+          <p:cNvPr id="11" name="Textfeld 10"/>
+          <p:cNvSpPr txBox="1"/>
+          <p:nvPr/>
+        </p:nvSpPr>
+        <p:spPr>
+          <a:xfrm>
+            <a:off x="505962" y="1222514"/>
+            <a:ext cx="7844073" cy="1200329"/>
+          </a:xfrm>
+          <a:prstGeom prst="rect">
+            <a:avLst/>
+          </a:prstGeom>
+          <a:noFill/>
+        </p:spPr>
+        <p:txBody>
+          <a:bodyPr wrap="square" rtlCol="0">
+            <a:spAutoFit/>
+          </a:bodyPr>
+          <a:lstStyle/>
+          <a:p>
+            <a:r>
+              <a:rPr lang="de-DE" dirty="0" err="1" smtClean="0"/>
+              <a:t>Successful</a:t>
+            </a:r>
+            <a:r>
+              <a:rPr lang="de-DE" dirty="0" smtClean="0"/>
+              <a:t> </a:t>
+            </a:r>
+            <a:r>
+              <a:rPr lang="de-DE" dirty="0" err="1" smtClean="0"/>
+              <a:t>import</a:t>
+            </a:r>
+            <a:r>
+              <a:rPr lang="de-DE" dirty="0" smtClean="0"/>
+              <a:t> </a:t>
+            </a:r>
+            <a:r>
+              <a:rPr lang="de-DE" dirty="0" err="1" smtClean="0"/>
+              <a:t>results</a:t>
+            </a:r>
+            <a:r>
+              <a:rPr lang="de-DE" dirty="0" smtClean="0"/>
+              <a:t> in </a:t>
+            </a:r>
+            <a:r>
+              <a:rPr lang="de-DE" dirty="0" err="1" smtClean="0"/>
+              <a:t>directories</a:t>
+            </a:r>
+            <a:r>
+              <a:rPr lang="de-DE" dirty="0" smtClean="0"/>
+              <a:t> </a:t>
+            </a:r>
+            <a:r>
+              <a:rPr lang="de-DE" dirty="0" err="1" smtClean="0"/>
+              <a:t>with</a:t>
+            </a:r>
+            <a:r>
+              <a:rPr lang="de-DE" dirty="0" smtClean="0"/>
+              <a:t> </a:t>
+            </a:r>
+            <a:r>
+              <a:rPr lang="de-DE" dirty="0" err="1" smtClean="0"/>
+              <a:t>nifti</a:t>
+            </a:r>
+            <a:r>
+              <a:rPr lang="de-DE" dirty="0" smtClean="0"/>
+              <a:t>-images </a:t>
+            </a:r>
+            <a:r>
+              <a:rPr lang="de-DE" dirty="0" err="1" smtClean="0"/>
+              <a:t>from</a:t>
+            </a:r>
+            <a:r>
+              <a:rPr lang="de-DE" dirty="0" smtClean="0"/>
+              <a:t> </a:t>
+            </a:r>
+            <a:r>
+              <a:rPr lang="de-DE" dirty="0" err="1" smtClean="0"/>
+              <a:t>anatomical</a:t>
+            </a:r>
+            <a:r>
+              <a:rPr lang="de-DE" dirty="0" smtClean="0"/>
+              <a:t> (</a:t>
+            </a:r>
+            <a:r>
+              <a:rPr lang="de-DE" dirty="0" err="1" smtClean="0"/>
+              <a:t>anat</a:t>
+            </a:r>
+            <a:r>
+              <a:rPr lang="de-DE" dirty="0" smtClean="0"/>
+              <a:t>) and </a:t>
+            </a:r>
+            <a:r>
+              <a:rPr lang="de-DE" dirty="0" err="1" smtClean="0"/>
+              <a:t>functional</a:t>
+            </a:r>
+            <a:r>
+              <a:rPr lang="de-DE" dirty="0" smtClean="0"/>
+              <a:t> (</a:t>
+            </a:r>
+            <a:r>
+              <a:rPr lang="de-DE" dirty="0" err="1" smtClean="0"/>
+              <a:t>func</a:t>
+            </a:r>
+            <a:r>
+              <a:rPr lang="de-DE" dirty="0" smtClean="0"/>
+              <a:t>) </a:t>
+            </a:r>
+            <a:r>
+              <a:rPr lang="de-DE" dirty="0" err="1" smtClean="0"/>
+              <a:t>runs</a:t>
+            </a:r>
+            <a:r>
+              <a:rPr lang="de-DE" dirty="0" smtClean="0"/>
+              <a:t>. </a:t>
+            </a:r>
+            <a:r>
+              <a:rPr lang="de-DE" dirty="0" err="1" smtClean="0"/>
+              <a:t>Additionally</a:t>
+            </a:r>
+            <a:r>
+              <a:rPr lang="de-DE" dirty="0" smtClean="0"/>
+              <a:t>, a </a:t>
+            </a:r>
+            <a:r>
+              <a:rPr lang="de-DE" dirty="0" err="1" smtClean="0"/>
+              <a:t>logfile</a:t>
+            </a:r>
+            <a:r>
+              <a:rPr lang="de-DE" dirty="0" smtClean="0"/>
+              <a:t> </a:t>
+            </a:r>
+            <a:r>
+              <a:rPr lang="de-DE" dirty="0" err="1" smtClean="0"/>
+              <a:t>with</a:t>
+            </a:r>
+            <a:r>
+              <a:rPr lang="de-DE" dirty="0"/>
+              <a:t> </a:t>
+            </a:r>
+            <a:r>
+              <a:rPr lang="de-DE" dirty="0" err="1" smtClean="0"/>
+              <a:t>the</a:t>
+            </a:r>
+            <a:r>
+              <a:rPr lang="de-DE" dirty="0" smtClean="0"/>
+              <a:t> </a:t>
+            </a:r>
+            <a:r>
+              <a:rPr lang="de-DE" dirty="0" err="1" smtClean="0"/>
+              <a:t>command</a:t>
+            </a:r>
+            <a:r>
+              <a:rPr lang="de-DE" dirty="0" smtClean="0"/>
+              <a:t> </a:t>
+            </a:r>
+            <a:r>
+              <a:rPr lang="de-DE" dirty="0" err="1" smtClean="0"/>
+              <a:t>window</a:t>
+            </a:r>
+            <a:r>
+              <a:rPr lang="de-DE" dirty="0" smtClean="0"/>
+              <a:t> </a:t>
+            </a:r>
+            <a:r>
+              <a:rPr lang="de-DE" dirty="0" err="1" smtClean="0"/>
+              <a:t>output</a:t>
+            </a:r>
+            <a:r>
+              <a:rPr lang="de-DE" dirty="0" smtClean="0"/>
+              <a:t> and </a:t>
+            </a:r>
+            <a:r>
+              <a:rPr lang="de-DE" dirty="0" err="1" smtClean="0"/>
+              <a:t>the</a:t>
+            </a:r>
+            <a:r>
+              <a:rPr lang="de-DE" dirty="0" smtClean="0"/>
+              <a:t> </a:t>
+            </a:r>
+            <a:r>
+              <a:rPr lang="de-DE" dirty="0" err="1" smtClean="0"/>
+              <a:t>scan</a:t>
+            </a:r>
+            <a:r>
+              <a:rPr lang="de-DE" dirty="0" smtClean="0"/>
+              <a:t> </a:t>
+            </a:r>
+            <a:r>
+              <a:rPr lang="de-DE" dirty="0" err="1" smtClean="0"/>
+              <a:t>protocol</a:t>
+            </a:r>
+            <a:r>
+              <a:rPr lang="de-DE" dirty="0" smtClean="0"/>
+              <a:t> </a:t>
+            </a:r>
+            <a:r>
+              <a:rPr lang="de-DE" dirty="0" err="1" smtClean="0"/>
+              <a:t>is</a:t>
+            </a:r>
+            <a:r>
+              <a:rPr lang="de-DE" dirty="0" smtClean="0"/>
+              <a:t> </a:t>
+            </a:r>
+            <a:r>
+              <a:rPr lang="de-DE" dirty="0" err="1" smtClean="0"/>
+              <a:t>saved</a:t>
+            </a:r>
+            <a:r>
+              <a:rPr lang="de-DE" dirty="0" smtClean="0"/>
+              <a:t>, </a:t>
+            </a:r>
+            <a:r>
+              <a:rPr lang="de-DE" dirty="0" err="1" smtClean="0"/>
+              <a:t>listing</a:t>
+            </a:r>
+            <a:r>
+              <a:rPr lang="de-DE" dirty="0" smtClean="0"/>
+              <a:t> MRI-</a:t>
+            </a:r>
+            <a:r>
+              <a:rPr lang="de-DE" dirty="0" err="1" smtClean="0"/>
+              <a:t>series</a:t>
+            </a:r>
+            <a:r>
+              <a:rPr lang="de-DE" dirty="0" smtClean="0"/>
+              <a:t> </a:t>
+            </a:r>
+            <a:r>
+              <a:rPr lang="de-DE" dirty="0" err="1" smtClean="0"/>
+              <a:t>names</a:t>
+            </a:r>
+            <a:r>
+              <a:rPr lang="de-DE" dirty="0" smtClean="0"/>
+              <a:t> </a:t>
+            </a:r>
+            <a:r>
+              <a:rPr lang="de-DE" dirty="0" err="1" smtClean="0"/>
+              <a:t>with</a:t>
+            </a:r>
+            <a:r>
+              <a:rPr lang="de-DE" dirty="0" smtClean="0"/>
+              <a:t> </a:t>
+            </a:r>
+            <a:r>
+              <a:rPr lang="de-DE" dirty="0" err="1" smtClean="0"/>
+              <a:t>running</a:t>
+            </a:r>
+            <a:r>
+              <a:rPr lang="de-DE" dirty="0" smtClean="0"/>
+              <a:t> </a:t>
+            </a:r>
+            <a:r>
+              <a:rPr lang="de-DE" dirty="0" err="1" smtClean="0"/>
+              <a:t>number</a:t>
+            </a:r>
+            <a:r>
+              <a:rPr lang="de-DE" dirty="0" smtClean="0"/>
+              <a:t> and </a:t>
+            </a:r>
+            <a:r>
+              <a:rPr lang="de-DE" dirty="0" err="1" smtClean="0"/>
+              <a:t>volume</a:t>
+            </a:r>
+            <a:r>
+              <a:rPr lang="de-DE" dirty="0" smtClean="0"/>
+              <a:t> </a:t>
+            </a:r>
+            <a:r>
+              <a:rPr lang="de-DE" dirty="0" err="1" smtClean="0"/>
+              <a:t>information</a:t>
+            </a:r>
+            <a:r>
+              <a:rPr lang="de-DE" dirty="0" smtClean="0"/>
+              <a:t>.</a:t>
+            </a:r>
+          </a:p>
+        </p:txBody>
+      </p:sp>
+      <p:pic>
+        <p:nvPicPr>
+          <p:cNvPr id="2" name="Grafik 1"/>
+          <p:cNvPicPr>
+            <a:picLocks noChangeAspect="1"/>
+          </p:cNvPicPr>
+          <p:nvPr/>
+        </p:nvPicPr>
+        <p:blipFill>
+          <a:blip r:embed="rId2"/>
+          <a:stretch>
+            <a:fillRect/>
+          </a:stretch>
+        </p:blipFill>
+        <p:spPr>
+          <a:xfrm>
+            <a:off x="611187" y="3694851"/>
+            <a:ext cx="7864475" cy="2408579"/>
+          </a:xfrm>
+          <a:prstGeom prst="rect">
+            <a:avLst/>
+          </a:prstGeom>
+        </p:spPr>
+      </p:pic>
+    </p:spTree>
+    <p:extLst>
+      <p:ext uri="{BB962C8B-B14F-4D97-AF65-F5344CB8AC3E}">
+        <p14:creationId xmlns:p14="http://schemas.microsoft.com/office/powerpoint/2010/main" val="423382492"/>
+      </p:ext>
+    </p:extLst>
+  </p:cSld>
+  <p:clrMapOvr>
+    <a:masterClrMapping/>
+  </p:clrMapOvr>
+  <p:timing>
+    <p:tnLst>
+      <p:par>
+        <p:cTn id="1" dur="indefinite" restart="never" nodeType="tmRoot"/>
+      </p:par>
+    </p:tnLst>
+  </p:timing>
+</p:sld>
+</file>
+
+<file path=ppt/slides/slide8.xml><?xml version="1.0" encoding="utf-8"?>
+<p:sld xmlns:a="http://schemas.openxmlformats.org/drawingml/2006/main" xmlns:r="http://schemas.openxmlformats.org/officeDocument/2006/relationships" xmlns:p="http://schemas.openxmlformats.org/presentationml/2006/main">
+  <p:cSld>
+    <p:spTree>
+      <p:nvGrpSpPr>
+        <p:cNvPr id="1" name=""/>
+        <p:cNvGrpSpPr/>
+        <p:nvPr/>
+      </p:nvGrpSpPr>
+      <p:grpSpPr>
+        <a:xfrm>
+          <a:off x="0" y="0"/>
+          <a:ext cx="0" cy="0"/>
+          <a:chOff x="0" y="0"/>
+          <a:chExt cx="0" cy="0"/>
+        </a:xfrm>
+      </p:grpSpPr>
+      <p:sp>
+        <p:nvSpPr>
+          <p:cNvPr id="9" name="Titel 8">
+            <a:extLst>
+              <a:ext uri="{FF2B5EF4-FFF2-40B4-BE49-F238E27FC236}">
+                <a16:creationId xmlns:a16="http://schemas.microsoft.com/office/drawing/2014/main" id="{3376FF2B-8C47-4126-96EF-85AE5244ED95}"/>
+              </a:ext>
+            </a:extLst>
+          </p:cNvPr>
+          <p:cNvSpPr>
+            <a:spLocks noGrp="1"/>
+          </p:cNvSpPr>
+          <p:nvPr>
+            <p:ph type="title"/>
+          </p:nvPr>
+        </p:nvSpPr>
+        <p:spPr/>
+        <p:txBody>
+          <a:bodyPr/>
+          <a:lstStyle/>
+          <a:p>
+            <a:r>
+              <a:rPr lang="de-DE" dirty="0" smtClean="0"/>
+              <a:t>Create SOTs</a:t>
+            </a:r>
+            <a:endParaRPr lang="de-DE" dirty="0"/>
+          </a:p>
+        </p:txBody>
+      </p:sp>
+      <p:sp>
+        <p:nvSpPr>
+          <p:cNvPr id="10" name="Inhaltsplatzhalter 9">
+            <a:extLst>
+              <a:ext uri="{FF2B5EF4-FFF2-40B4-BE49-F238E27FC236}">
+                <a16:creationId xmlns:a16="http://schemas.microsoft.com/office/drawing/2014/main" id="{44AE8F0C-6B42-4ABB-B98E-325BFE604A5C}"/>
+              </a:ext>
+            </a:extLst>
+          </p:cNvPr>
+          <p:cNvSpPr>
+            <a:spLocks noGrp="1"/>
+          </p:cNvSpPr>
+          <p:nvPr>
+            <p:ph idx="1"/>
+          </p:nvPr>
+        </p:nvSpPr>
+        <p:spPr>
+          <a:xfrm>
+            <a:off x="611187" y="1341437"/>
+            <a:ext cx="7920001" cy="804407"/>
+          </a:xfrm>
+        </p:spPr>
+        <p:txBody>
+          <a:bodyPr/>
+          <a:lstStyle/>
+          <a:p>
+            <a:pPr marL="342900" indent="-342900">
+              <a:buFont typeface="+mj-lt"/>
+              <a:buAutoNum type="arabicPeriod"/>
+            </a:pPr>
+            <a:endParaRPr lang="de-DE" dirty="0" smtClean="0"/>
+          </a:p>
+          <a:p>
+            <a:pPr marL="465750" lvl="1" indent="-285750"/>
+            <a:endParaRPr lang="de-DE" dirty="0"/>
+          </a:p>
+        </p:txBody>
+      </p:sp>
+      <p:sp>
+        <p:nvSpPr>
+          <p:cNvPr id="6" name="Datumsplatzhalter 5">
+            <a:extLst>
+              <a:ext uri="{FF2B5EF4-FFF2-40B4-BE49-F238E27FC236}">
+                <a16:creationId xmlns:a16="http://schemas.microsoft.com/office/drawing/2014/main" id="{84598C5A-1228-4CCE-9531-07A0C30D6117}"/>
+              </a:ext>
+            </a:extLst>
+          </p:cNvPr>
+          <p:cNvSpPr>
+            <a:spLocks noGrp="1"/>
+          </p:cNvSpPr>
+          <p:nvPr>
+            <p:ph type="dt" sz="half" idx="10"/>
+          </p:nvPr>
+        </p:nvSpPr>
+        <p:spPr/>
+        <p:txBody>
+          <a:bodyPr/>
+          <a:lstStyle/>
+          <a:p>
+            <a:fld id="{6B82CF1B-05B0-41E3-B3F3-316D2D54CB33}" type="datetime1">
+              <a:rPr lang="de-DE" smtClean="0"/>
+              <a:pPr/>
+              <a:t>29.09.2020</a:t>
+            </a:fld>
+            <a:endParaRPr lang="de-DE"/>
+          </a:p>
+        </p:txBody>
+      </p:sp>
+      <p:sp>
+        <p:nvSpPr>
+          <p:cNvPr id="7" name="Fußzeilenplatzhalter 6">
+            <a:extLst>
+              <a:ext uri="{FF2B5EF4-FFF2-40B4-BE49-F238E27FC236}">
+                <a16:creationId xmlns:a16="http://schemas.microsoft.com/office/drawing/2014/main" id="{41CAB9F5-85D9-4D0B-9D7D-05F66E31B5CF}"/>
+              </a:ext>
+            </a:extLst>
+          </p:cNvPr>
+          <p:cNvSpPr>
+            <a:spLocks noGrp="1"/>
+          </p:cNvSpPr>
+          <p:nvPr>
+            <p:ph type="ftr" sz="quarter" idx="11"/>
+          </p:nvPr>
+        </p:nvSpPr>
+        <p:spPr/>
+        <p:txBody>
+          <a:bodyPr/>
+          <a:lstStyle/>
+          <a:p>
+            <a:r>
+              <a:rPr lang="de-DE" dirty="0" smtClean="0"/>
+              <a:t>Christian Paret | Klinik für Psychosomatik und Psychotherapeutische Medizin</a:t>
+            </a:r>
+            <a:endParaRPr lang="de-DE" dirty="0"/>
+          </a:p>
+        </p:txBody>
+      </p:sp>
+      <p:sp>
+        <p:nvSpPr>
+          <p:cNvPr id="8" name="Foliennummernplatzhalter 7">
+            <a:extLst>
+              <a:ext uri="{FF2B5EF4-FFF2-40B4-BE49-F238E27FC236}">
+                <a16:creationId xmlns:a16="http://schemas.microsoft.com/office/drawing/2014/main" id="{63614E0B-E602-495F-9BDB-7B5C4512D759}"/>
+              </a:ext>
+            </a:extLst>
+          </p:cNvPr>
+          <p:cNvSpPr>
+            <a:spLocks noGrp="1"/>
+          </p:cNvSpPr>
+          <p:nvPr>
+            <p:ph type="sldNum" sz="quarter" idx="12"/>
+          </p:nvPr>
+        </p:nvSpPr>
+        <p:spPr/>
+        <p:txBody>
+          <a:bodyPr/>
+          <a:lstStyle/>
+          <a:p>
+            <a:fld id="{C0CF0538-B257-4920-8B90-2F4CB9C48A75}" type="slidenum">
+              <a:rPr lang="de-DE" smtClean="0"/>
+              <a:pPr/>
+              <a:t>8</a:t>
+            </a:fld>
+            <a:endParaRPr lang="de-DE"/>
+          </a:p>
+        </p:txBody>
+      </p:sp>
+      <p:sp>
+        <p:nvSpPr>
+          <p:cNvPr id="11" name="Textfeld 10"/>
+          <p:cNvSpPr txBox="1"/>
+          <p:nvPr/>
+        </p:nvSpPr>
+        <p:spPr>
+          <a:xfrm>
+            <a:off x="505962" y="1222514"/>
+            <a:ext cx="7844073" cy="2031325"/>
+          </a:xfrm>
+          <a:prstGeom prst="rect">
+            <a:avLst/>
+          </a:prstGeom>
+          <a:noFill/>
+        </p:spPr>
+        <p:txBody>
+          <a:bodyPr wrap="square" rtlCol="0">
+            <a:spAutoFit/>
+          </a:bodyPr>
+          <a:lstStyle/>
+          <a:p>
+            <a:r>
+              <a:rPr lang="de-DE" dirty="0" smtClean="0"/>
+              <a:t>Stimulus </a:t>
+            </a:r>
+            <a:r>
+              <a:rPr lang="de-DE" dirty="0" err="1" smtClean="0"/>
+              <a:t>onset</a:t>
+            </a:r>
+            <a:r>
+              <a:rPr lang="de-DE" dirty="0" smtClean="0"/>
+              <a:t> time (SOT) </a:t>
+            </a:r>
+            <a:r>
+              <a:rPr lang="de-DE" dirty="0" err="1" smtClean="0"/>
+              <a:t>files</a:t>
+            </a:r>
+            <a:r>
+              <a:rPr lang="de-DE" dirty="0" smtClean="0"/>
+              <a:t> </a:t>
+            </a:r>
+            <a:r>
+              <a:rPr lang="de-DE" dirty="0" err="1" smtClean="0"/>
+              <a:t>are</a:t>
+            </a:r>
+            <a:r>
+              <a:rPr lang="de-DE" dirty="0" smtClean="0"/>
+              <a:t> </a:t>
+            </a:r>
+            <a:r>
+              <a:rPr lang="de-DE" dirty="0" err="1" smtClean="0"/>
+              <a:t>created</a:t>
+            </a:r>
+            <a:r>
+              <a:rPr lang="de-DE" dirty="0" smtClean="0"/>
+              <a:t> </a:t>
+            </a:r>
+            <a:r>
+              <a:rPr lang="de-DE" dirty="0" err="1" smtClean="0"/>
+              <a:t>automatically</a:t>
+            </a:r>
+            <a:r>
+              <a:rPr lang="de-DE" dirty="0" smtClean="0"/>
+              <a:t> </a:t>
+            </a:r>
+            <a:r>
+              <a:rPr lang="de-DE" dirty="0" err="1" smtClean="0"/>
+              <a:t>using</a:t>
+            </a:r>
+            <a:r>
+              <a:rPr lang="de-DE" dirty="0" smtClean="0"/>
+              <a:t> RaBIDS_2_Create_SOTS </a:t>
+            </a:r>
+            <a:r>
+              <a:rPr lang="de-DE" dirty="0" err="1" smtClean="0"/>
+              <a:t>using</a:t>
+            </a:r>
+            <a:r>
+              <a:rPr lang="de-DE" dirty="0" smtClean="0"/>
+              <a:t> </a:t>
+            </a:r>
+            <a:r>
+              <a:rPr lang="de-DE" dirty="0" err="1" smtClean="0"/>
+              <a:t>logfile</a:t>
+            </a:r>
+            <a:r>
+              <a:rPr lang="de-DE" dirty="0" smtClean="0"/>
+              <a:t> </a:t>
+            </a:r>
+            <a:r>
+              <a:rPr lang="de-DE" dirty="0" err="1" smtClean="0"/>
+              <a:t>information</a:t>
+            </a:r>
+            <a:r>
+              <a:rPr lang="de-DE" dirty="0" smtClean="0"/>
+              <a:t> </a:t>
+            </a:r>
+            <a:r>
+              <a:rPr lang="de-DE" dirty="0" err="1" smtClean="0"/>
+              <a:t>from</a:t>
+            </a:r>
+            <a:r>
+              <a:rPr lang="de-DE" dirty="0" smtClean="0"/>
+              <a:t> </a:t>
+            </a:r>
+            <a:r>
+              <a:rPr lang="de-DE" dirty="0" err="1" smtClean="0"/>
+              <a:t>the</a:t>
+            </a:r>
+            <a:r>
+              <a:rPr lang="de-DE" dirty="0" smtClean="0"/>
+              <a:t> </a:t>
+            </a:r>
+            <a:r>
+              <a:rPr lang="de-DE" dirty="0" err="1" smtClean="0"/>
+              <a:t>stimulus</a:t>
+            </a:r>
+            <a:r>
+              <a:rPr lang="de-DE" dirty="0" smtClean="0"/>
+              <a:t> </a:t>
+            </a:r>
+            <a:r>
+              <a:rPr lang="de-DE" dirty="0" err="1" smtClean="0"/>
+              <a:t>presentation</a:t>
+            </a:r>
+            <a:r>
+              <a:rPr lang="de-DE" dirty="0" smtClean="0"/>
+              <a:t> </a:t>
+            </a:r>
+            <a:r>
+              <a:rPr lang="de-DE" dirty="0" err="1" smtClean="0"/>
+              <a:t>software</a:t>
+            </a:r>
+            <a:r>
+              <a:rPr lang="de-DE" dirty="0" smtClean="0"/>
+              <a:t>. In </a:t>
+            </a:r>
+            <a:r>
+              <a:rPr lang="de-DE" dirty="0" err="1" smtClean="0"/>
+              <a:t>the</a:t>
+            </a:r>
+            <a:r>
+              <a:rPr lang="de-DE" dirty="0" smtClean="0"/>
+              <a:t> </a:t>
+            </a:r>
+            <a:r>
+              <a:rPr lang="de-DE" dirty="0" err="1" smtClean="0"/>
+              <a:t>current</a:t>
+            </a:r>
+            <a:r>
+              <a:rPr lang="de-DE" dirty="0" smtClean="0"/>
+              <a:t> </a:t>
+            </a:r>
+            <a:r>
+              <a:rPr lang="de-DE" dirty="0" err="1" smtClean="0"/>
+              <a:t>version</a:t>
+            </a:r>
+            <a:r>
+              <a:rPr lang="de-DE" dirty="0" smtClean="0"/>
+              <a:t> </a:t>
+            </a:r>
+            <a:r>
+              <a:rPr lang="de-DE" dirty="0" err="1" smtClean="0"/>
+              <a:t>this</a:t>
+            </a:r>
+            <a:r>
+              <a:rPr lang="de-DE" dirty="0" smtClean="0"/>
+              <a:t> </a:t>
+            </a:r>
+            <a:r>
+              <a:rPr lang="de-DE" dirty="0" err="1" smtClean="0"/>
+              <a:t>function</a:t>
+            </a:r>
+            <a:r>
+              <a:rPr lang="de-DE" dirty="0" smtClean="0"/>
+              <a:t> </a:t>
+            </a:r>
+            <a:r>
+              <a:rPr lang="de-DE" dirty="0" err="1" smtClean="0"/>
+              <a:t>works</a:t>
+            </a:r>
+            <a:r>
+              <a:rPr lang="de-DE" dirty="0" smtClean="0"/>
+              <a:t> </a:t>
+            </a:r>
+            <a:r>
+              <a:rPr lang="de-DE" dirty="0" err="1" smtClean="0"/>
+              <a:t>only</a:t>
+            </a:r>
+            <a:r>
+              <a:rPr lang="de-DE" dirty="0" smtClean="0"/>
+              <a:t> </a:t>
+            </a:r>
+            <a:r>
+              <a:rPr lang="de-DE" dirty="0" err="1" smtClean="0"/>
+              <a:t>with</a:t>
+            </a:r>
+            <a:r>
+              <a:rPr lang="de-DE" dirty="0" smtClean="0"/>
+              <a:t> </a:t>
+            </a:r>
+            <a:r>
+              <a:rPr lang="de-DE" dirty="0" err="1" smtClean="0"/>
+              <a:t>Presentation</a:t>
+            </a:r>
+            <a:r>
+              <a:rPr lang="de-DE" dirty="0" smtClean="0"/>
+              <a:t> </a:t>
+            </a:r>
+            <a:r>
+              <a:rPr lang="de-DE" dirty="0" err="1" smtClean="0"/>
+              <a:t>logfiles</a:t>
+            </a:r>
+            <a:r>
+              <a:rPr lang="de-DE" dirty="0" smtClean="0"/>
+              <a:t>.</a:t>
+            </a:r>
+          </a:p>
+          <a:p>
+            <a:r>
+              <a:rPr lang="de-DE" dirty="0" err="1" smtClean="0"/>
+              <a:t>To</a:t>
+            </a:r>
+            <a:r>
+              <a:rPr lang="de-DE" dirty="0" smtClean="0"/>
+              <a:t> </a:t>
+            </a:r>
+            <a:r>
+              <a:rPr lang="de-DE" dirty="0" err="1" smtClean="0"/>
+              <a:t>use</a:t>
+            </a:r>
+            <a:r>
+              <a:rPr lang="de-DE" dirty="0" smtClean="0"/>
+              <a:t> </a:t>
+            </a:r>
+            <a:r>
+              <a:rPr lang="de-DE" dirty="0" err="1" smtClean="0"/>
+              <a:t>this</a:t>
+            </a:r>
+            <a:r>
+              <a:rPr lang="de-DE" dirty="0" smtClean="0"/>
+              <a:t> </a:t>
+            </a:r>
+            <a:r>
+              <a:rPr lang="de-DE" dirty="0" err="1" smtClean="0"/>
+              <a:t>function</a:t>
+            </a:r>
+            <a:r>
+              <a:rPr lang="de-DE" dirty="0" smtClean="0"/>
+              <a:t> </a:t>
+            </a:r>
+            <a:r>
+              <a:rPr lang="de-DE" dirty="0" err="1" smtClean="0"/>
+              <a:t>you</a:t>
+            </a:r>
+            <a:r>
+              <a:rPr lang="de-DE" dirty="0" smtClean="0"/>
+              <a:t> </a:t>
+            </a:r>
+            <a:r>
+              <a:rPr lang="de-DE" dirty="0" err="1" smtClean="0"/>
+              <a:t>need</a:t>
+            </a:r>
+            <a:r>
+              <a:rPr lang="de-DE" dirty="0" smtClean="0"/>
+              <a:t> </a:t>
+            </a:r>
+            <a:r>
+              <a:rPr lang="de-DE" dirty="0" err="1" smtClean="0"/>
+              <a:t>to</a:t>
+            </a:r>
+            <a:r>
+              <a:rPr lang="de-DE" dirty="0" smtClean="0"/>
+              <a:t> </a:t>
+            </a:r>
+            <a:r>
+              <a:rPr lang="de-DE" dirty="0" err="1" smtClean="0"/>
+              <a:t>specifiy</a:t>
+            </a:r>
+            <a:r>
+              <a:rPr lang="de-DE" dirty="0" smtClean="0"/>
+              <a:t> </a:t>
+            </a:r>
+            <a:r>
+              <a:rPr lang="de-DE" dirty="0" err="1" smtClean="0"/>
+              <a:t>parameters</a:t>
+            </a:r>
+            <a:r>
+              <a:rPr lang="de-DE" dirty="0" smtClean="0"/>
+              <a:t> in a </a:t>
+            </a:r>
+            <a:r>
+              <a:rPr lang="de-DE" dirty="0" err="1" smtClean="0"/>
+              <a:t>file</a:t>
+            </a:r>
+            <a:r>
+              <a:rPr lang="de-DE" dirty="0" smtClean="0"/>
+              <a:t> </a:t>
+            </a:r>
+            <a:r>
+              <a:rPr lang="de-DE" dirty="0" err="1" smtClean="0"/>
+              <a:t>called</a:t>
+            </a:r>
+            <a:r>
+              <a:rPr lang="de-DE" dirty="0" smtClean="0"/>
+              <a:t> conditions_TaskName.xlsx. In </a:t>
+            </a:r>
+            <a:r>
+              <a:rPr lang="de-DE" dirty="0" err="1" smtClean="0"/>
+              <a:t>below</a:t>
+            </a:r>
+            <a:r>
+              <a:rPr lang="de-DE" dirty="0" smtClean="0"/>
+              <a:t> </a:t>
+            </a:r>
+            <a:r>
+              <a:rPr lang="de-DE" dirty="0" err="1" smtClean="0"/>
+              <a:t>example</a:t>
+            </a:r>
+            <a:r>
+              <a:rPr lang="de-DE" dirty="0" smtClean="0"/>
+              <a:t>, </a:t>
+            </a:r>
+            <a:r>
+              <a:rPr lang="de-DE" dirty="0" err="1" smtClean="0"/>
+              <a:t>TaskNames</a:t>
+            </a:r>
+            <a:r>
+              <a:rPr lang="de-DE" dirty="0" smtClean="0"/>
+              <a:t> of </a:t>
+            </a:r>
+            <a:r>
+              <a:rPr lang="de-DE" dirty="0" err="1" smtClean="0"/>
+              <a:t>the</a:t>
+            </a:r>
+            <a:r>
+              <a:rPr lang="de-DE" dirty="0" smtClean="0"/>
+              <a:t> </a:t>
+            </a:r>
+            <a:r>
+              <a:rPr lang="de-DE" dirty="0" err="1" smtClean="0"/>
+              <a:t>two</a:t>
+            </a:r>
+            <a:r>
+              <a:rPr lang="de-DE" dirty="0" smtClean="0"/>
+              <a:t> </a:t>
+            </a:r>
+            <a:r>
+              <a:rPr lang="de-DE" dirty="0" err="1" smtClean="0"/>
+              <a:t>functional</a:t>
+            </a:r>
+            <a:r>
+              <a:rPr lang="de-DE" dirty="0" smtClean="0"/>
+              <a:t> </a:t>
+            </a:r>
+            <a:r>
+              <a:rPr lang="de-DE" dirty="0" err="1" smtClean="0"/>
+              <a:t>tasks</a:t>
+            </a:r>
+            <a:r>
+              <a:rPr lang="de-DE" dirty="0" smtClean="0"/>
+              <a:t> </a:t>
+            </a:r>
+            <a:r>
+              <a:rPr lang="de-DE" dirty="0" err="1" smtClean="0"/>
+              <a:t>are</a:t>
+            </a:r>
+            <a:r>
+              <a:rPr lang="de-DE" dirty="0" smtClean="0"/>
+              <a:t> </a:t>
+            </a:r>
+            <a:r>
+              <a:rPr lang="de-DE" dirty="0" err="1" smtClean="0"/>
+              <a:t>are</a:t>
+            </a:r>
+            <a:r>
+              <a:rPr lang="de-DE" dirty="0" smtClean="0"/>
+              <a:t> </a:t>
+            </a:r>
+            <a:r>
+              <a:rPr lang="de-DE" dirty="0" err="1" smtClean="0"/>
+              <a:t>faces</a:t>
+            </a:r>
+            <a:r>
+              <a:rPr lang="de-DE" dirty="0" smtClean="0"/>
+              <a:t> and </a:t>
+            </a:r>
+            <a:r>
+              <a:rPr lang="de-DE" dirty="0" err="1" smtClean="0"/>
+              <a:t>scenes</a:t>
+            </a:r>
+            <a:r>
+              <a:rPr lang="de-DE" dirty="0" smtClean="0"/>
+              <a:t>.</a:t>
+            </a:r>
+          </a:p>
+        </p:txBody>
+      </p:sp>
+      <p:pic>
+        <p:nvPicPr>
+          <p:cNvPr id="3" name="Grafik 2"/>
+          <p:cNvPicPr>
+            <a:picLocks noChangeAspect="1"/>
+          </p:cNvPicPr>
+          <p:nvPr/>
+        </p:nvPicPr>
+        <p:blipFill>
+          <a:blip r:embed="rId2"/>
+          <a:stretch>
+            <a:fillRect/>
+          </a:stretch>
+        </p:blipFill>
+        <p:spPr>
+          <a:xfrm>
+            <a:off x="1331187" y="3372762"/>
+            <a:ext cx="5844944" cy="2829149"/>
+          </a:xfrm>
+          <a:prstGeom prst="rect">
+            <a:avLst/>
+          </a:prstGeom>
+        </p:spPr>
+      </p:pic>
+    </p:spTree>
+    <p:extLst>
+      <p:ext uri="{BB962C8B-B14F-4D97-AF65-F5344CB8AC3E}">
+        <p14:creationId xmlns:p14="http://schemas.microsoft.com/office/powerpoint/2010/main" val="3657983628"/>
+      </p:ext>
+    </p:extLst>
+  </p:cSld>
+  <p:clrMapOvr>
+    <a:masterClrMapping/>
+  </p:clrMapOvr>
+  <p:timing>
+    <p:tnLst>
+      <p:par>
+        <p:cTn id="1" dur="indefinite" restart="never" nodeType="tmRoot"/>
+      </p:par>
+    </p:tnLst>
+  </p:timing>
+</p:sld>
+</file>
+
+<file path=ppt/slides/slide9.xml><?xml version="1.0" encoding="utf-8"?>
+<p:sld xmlns:a="http://schemas.openxmlformats.org/drawingml/2006/main" xmlns:r="http://schemas.openxmlformats.org/officeDocument/2006/relationships" xmlns:p="http://schemas.openxmlformats.org/presentationml/2006/main">
+  <p:cSld>
+    <p:spTree>
+      <p:nvGrpSpPr>
+        <p:cNvPr id="1" name=""/>
+        <p:cNvGrpSpPr/>
+        <p:nvPr/>
+      </p:nvGrpSpPr>
+      <p:grpSpPr>
+        <a:xfrm>
+          <a:off x="0" y="0"/>
+          <a:ext cx="0" cy="0"/>
+          <a:chOff x="0" y="0"/>
+          <a:chExt cx="0" cy="0"/>
+        </a:xfrm>
+      </p:grpSpPr>
+      <p:sp>
+        <p:nvSpPr>
+          <p:cNvPr id="9" name="Titel 8">
+            <a:extLst>
+              <a:ext uri="{FF2B5EF4-FFF2-40B4-BE49-F238E27FC236}">
+                <a16:creationId xmlns:a16="http://schemas.microsoft.com/office/drawing/2014/main" id="{3376FF2B-8C47-4126-96EF-85AE5244ED95}"/>
+              </a:ext>
+            </a:extLst>
+          </p:cNvPr>
+          <p:cNvSpPr>
+            <a:spLocks noGrp="1"/>
+          </p:cNvSpPr>
+          <p:nvPr>
+            <p:ph type="title"/>
+          </p:nvPr>
+        </p:nvSpPr>
+        <p:spPr/>
+        <p:txBody>
+          <a:bodyPr/>
+          <a:lstStyle/>
+          <a:p>
+            <a:r>
+              <a:rPr lang="de-DE" dirty="0" smtClean="0"/>
+              <a:t>Create SOTS</a:t>
+            </a:r>
+            <a:endParaRPr lang="de-DE" dirty="0"/>
+          </a:p>
+        </p:txBody>
+      </p:sp>
+      <p:sp>
+        <p:nvSpPr>
+          <p:cNvPr id="10" name="Inhaltsplatzhalter 9">
+            <a:extLst>
+              <a:ext uri="{FF2B5EF4-FFF2-40B4-BE49-F238E27FC236}">
+                <a16:creationId xmlns:a16="http://schemas.microsoft.com/office/drawing/2014/main" id="{44AE8F0C-6B42-4ABB-B98E-325BFE604A5C}"/>
+              </a:ext>
+            </a:extLst>
+          </p:cNvPr>
+          <p:cNvSpPr>
+            <a:spLocks noGrp="1"/>
+          </p:cNvSpPr>
+          <p:nvPr>
+            <p:ph idx="1"/>
+          </p:nvPr>
+        </p:nvSpPr>
+        <p:spPr>
+          <a:xfrm>
+            <a:off x="611187" y="1341437"/>
+            <a:ext cx="7920001" cy="4431290"/>
+          </a:xfrm>
+        </p:spPr>
+        <p:txBody>
+          <a:bodyPr/>
+          <a:lstStyle/>
+          <a:p>
+            <a:pPr marL="342900" indent="-342900">
+              <a:buFont typeface="+mj-lt"/>
+              <a:buAutoNum type="arabicPeriod"/>
+            </a:pPr>
+            <a:endParaRPr lang="de-DE" dirty="0" smtClean="0"/>
+          </a:p>
+          <a:p>
+            <a:pPr marL="465750" lvl="1" indent="-285750"/>
+            <a:endParaRPr lang="de-DE" dirty="0"/>
+          </a:p>
+        </p:txBody>
+      </p:sp>
+      <p:sp>
+        <p:nvSpPr>
+          <p:cNvPr id="6" name="Datumsplatzhalter 5">
+            <a:extLst>
+              <a:ext uri="{FF2B5EF4-FFF2-40B4-BE49-F238E27FC236}">
+                <a16:creationId xmlns:a16="http://schemas.microsoft.com/office/drawing/2014/main" id="{84598C5A-1228-4CCE-9531-07A0C30D6117}"/>
+              </a:ext>
+            </a:extLst>
+          </p:cNvPr>
+          <p:cNvSpPr>
+            <a:spLocks noGrp="1"/>
+          </p:cNvSpPr>
+          <p:nvPr>
+            <p:ph type="dt" sz="half" idx="10"/>
+          </p:nvPr>
+        </p:nvSpPr>
+        <p:spPr/>
+        <p:txBody>
+          <a:bodyPr/>
+          <a:lstStyle/>
+          <a:p>
+            <a:fld id="{6B82CF1B-05B0-41E3-B3F3-316D2D54CB33}" type="datetime1">
+              <a:rPr lang="de-DE" smtClean="0"/>
+              <a:pPr/>
+              <a:t>29.09.2020</a:t>
+            </a:fld>
+            <a:endParaRPr lang="de-DE"/>
+          </a:p>
+        </p:txBody>
+      </p:sp>
+      <p:sp>
+        <p:nvSpPr>
+          <p:cNvPr id="7" name="Fußzeilenplatzhalter 6">
+            <a:extLst>
+              <a:ext uri="{FF2B5EF4-FFF2-40B4-BE49-F238E27FC236}">
+                <a16:creationId xmlns:a16="http://schemas.microsoft.com/office/drawing/2014/main" id="{41CAB9F5-85D9-4D0B-9D7D-05F66E31B5CF}"/>
+              </a:ext>
+            </a:extLst>
+          </p:cNvPr>
+          <p:cNvSpPr>
+            <a:spLocks noGrp="1"/>
+          </p:cNvSpPr>
+          <p:nvPr>
+            <p:ph type="ftr" sz="quarter" idx="11"/>
+          </p:nvPr>
+        </p:nvSpPr>
+        <p:spPr/>
+        <p:txBody>
+          <a:bodyPr/>
+          <a:lstStyle/>
+          <a:p>
+            <a:r>
+              <a:rPr lang="de-DE" dirty="0" smtClean="0"/>
+              <a:t>Christian Paret | Klinik für Psychosomatik und Psychotherapeutische Medizin</a:t>
+            </a:r>
+            <a:endParaRPr lang="de-DE" dirty="0"/>
+          </a:p>
+        </p:txBody>
+      </p:sp>
+      <p:sp>
+        <p:nvSpPr>
+          <p:cNvPr id="8" name="Foliennummernplatzhalter 7">
+            <a:extLst>
+              <a:ext uri="{FF2B5EF4-FFF2-40B4-BE49-F238E27FC236}">
+                <a16:creationId xmlns:a16="http://schemas.microsoft.com/office/drawing/2014/main" id="{63614E0B-E602-495F-9BDB-7B5C4512D759}"/>
+              </a:ext>
+            </a:extLst>
+          </p:cNvPr>
+          <p:cNvSpPr>
+            <a:spLocks noGrp="1"/>
+          </p:cNvSpPr>
+          <p:nvPr>
+            <p:ph type="sldNum" sz="quarter" idx="12"/>
+          </p:nvPr>
+        </p:nvSpPr>
+        <p:spPr/>
+        <p:txBody>
+          <a:bodyPr/>
+          <a:lstStyle/>
+          <a:p>
+            <a:fld id="{C0CF0538-B257-4920-8B90-2F4CB9C48A75}" type="slidenum">
+              <a:rPr lang="de-DE" smtClean="0"/>
+              <a:pPr/>
+              <a:t>9</a:t>
+            </a:fld>
+            <a:endParaRPr lang="de-DE"/>
+          </a:p>
+        </p:txBody>
+      </p:sp>
+      <p:sp>
+        <p:nvSpPr>
+          <p:cNvPr id="13" name="Textfeld 12"/>
+          <p:cNvSpPr txBox="1"/>
+          <p:nvPr/>
+        </p:nvSpPr>
+        <p:spPr>
+          <a:xfrm>
+            <a:off x="505962" y="1222514"/>
+            <a:ext cx="7844073" cy="369332"/>
+          </a:xfrm>
+          <a:prstGeom prst="rect">
+            <a:avLst/>
+          </a:prstGeom>
+          <a:noFill/>
+        </p:spPr>
+        <p:txBody>
+          <a:bodyPr wrap="square" rtlCol="0">
+            <a:spAutoFit/>
+          </a:bodyPr>
+          <a:lstStyle/>
+          <a:p>
+            <a:r>
+              <a:rPr lang="de-DE" dirty="0" smtClean="0"/>
+              <a:t>Run RaBIDS_2_Create_SOTS.m:</a:t>
+            </a:r>
+          </a:p>
+        </p:txBody>
+      </p:sp>
+      <p:pic>
+        <p:nvPicPr>
+          <p:cNvPr id="3" name="Grafik 2"/>
+          <p:cNvPicPr>
+            <a:picLocks noChangeAspect="1"/>
+          </p:cNvPicPr>
+          <p:nvPr/>
+        </p:nvPicPr>
+        <p:blipFill>
+          <a:blip r:embed="rId2"/>
+          <a:stretch>
+            <a:fillRect/>
+          </a:stretch>
+        </p:blipFill>
+        <p:spPr>
+          <a:xfrm>
+            <a:off x="458001" y="1719939"/>
+            <a:ext cx="8226372" cy="4383491"/>
+          </a:xfrm>
+          <a:prstGeom prst="rect">
+            <a:avLst/>
+          </a:prstGeom>
+        </p:spPr>
+      </p:pic>
+      <p:sp>
+        <p:nvSpPr>
+          <p:cNvPr id="11" name="Ellipse 10"/>
+          <p:cNvSpPr/>
+          <p:nvPr/>
+        </p:nvSpPr>
+        <p:spPr>
+          <a:xfrm>
+            <a:off x="5458691" y="2253672"/>
+            <a:ext cx="683491" cy="637309"/>
+          </a:xfrm>
+          <a:prstGeom prst="ellipse">
+            <a:avLst/>
+          </a:prstGeom>
+          <a:noFill/>
+          <a:ln w="28575">
+            <a:solidFill>
+              <a:srgbClr val="FF0000"/>
+            </a:solidFill>
+          </a:ln>
+        </p:spPr>
+        <p:style>
+          <a:lnRef idx="2">
+            <a:schemeClr val="accent1">
+              <a:shade val="50000"/>
+            </a:schemeClr>
+          </a:lnRef>
+          <a:fillRef idx="1">
+            <a:schemeClr val="accent1"/>
+          </a:fillRef>
+          <a:effectRef idx="0">
+            <a:schemeClr val="accent1"/>
+          </a:effectRef>
+          <a:fontRef idx="minor">
+            <a:schemeClr val="lt1"/>
+          </a:fontRef>
+        </p:style>
+        <p:txBody>
+          <a:bodyPr rtlCol="0" anchor="ctr"/>
+          <a:lstStyle/>
+          <a:p>
+            <a:pPr algn="ctr"/>
+            <a:endParaRPr lang="de-DE"/>
+          </a:p>
+        </p:txBody>
+      </p:sp>
+    </p:spTree>
+    <p:extLst>
+      <p:ext uri="{BB962C8B-B14F-4D97-AF65-F5344CB8AC3E}">
+        <p14:creationId xmlns:p14="http://schemas.microsoft.com/office/powerpoint/2010/main" val="2929439248"/>
       </p:ext>
     </p:extLst>
   </p:cSld>
